--- a/_presentation/MachineLearning_v3.pptx
+++ b/_presentation/MachineLearning_v3.pptx
@@ -187,7 +187,7 @@
   </p:defaultTextStyle>
   <p:extLst>
     <p:ext uri="{EFAFB233-063F-42B5-8137-9DF3F51BA10A}">
-      <p15:sldGuideLst xmlns:p15="http://schemas.microsoft.com/office/powerpoint/2012/main">
+      <p15:sldGuideLst xmlns:p15="http://schemas.microsoft.com/office/powerpoint/2012/main" xmlns="">
         <p15:guide id="1" orient="horz" pos="2160">
           <p15:clr>
             <a:srgbClr val="A4A3A4"/>
@@ -286,7 +286,7 @@
           <a:p>
             <a:fld id="{42DFA435-3422-4884-B174-130D87ABE6CA}" type="datetimeFigureOut">
               <a:rPr lang="de-DE" smtClean="0"/>
-              <a:t>18.10.2018</a:t>
+              <a:t>03.12.2018</a:t>
             </a:fld>
             <a:endParaRPr lang="de-DE"/>
           </a:p>
@@ -451,7 +451,7 @@
           <a:p>
             <a:fld id="{E965E5F9-7C68-440D-8F93-DD9A6ECD879E}" type="datetimeFigureOut">
               <a:rPr lang="de-DE" smtClean="0"/>
-              <a:t>18.10.2018</a:t>
+              <a:t>03.12.2018</a:t>
             </a:fld>
             <a:endParaRPr lang="de-DE"/>
           </a:p>
@@ -4798,7 +4798,7 @@
                               <a:solidFill>
                                 <a:srgbClr val="003056"/>
                               </a:solidFill>
-                              <a:latin typeface="Cambria Math" panose="02040503050406030204" pitchFamily="18" charset="0"/>
+                              <a:latin typeface="Cambria Math"/>
                             </a:rPr>
                           </m:ctrlPr>
                         </m:sSubPr>
@@ -4811,7 +4811,7 @@
                                   <a:solidFill>
                                     <a:srgbClr val="003056"/>
                                   </a:solidFill>
-                                  <a:latin typeface="Cambria Math" panose="02040503050406030204" pitchFamily="18" charset="0"/>
+                                  <a:latin typeface="Cambria Math"/>
                                 </a:rPr>
                               </m:ctrlPr>
                             </m:accPr>
@@ -4856,7 +4856,7 @@
                               <a:solidFill>
                                 <a:srgbClr val="003056"/>
                               </a:solidFill>
-                              <a:latin typeface="Cambria Math" panose="02040503050406030204" pitchFamily="18" charset="0"/>
+                              <a:latin typeface="Cambria Math"/>
                             </a:rPr>
                           </m:ctrlPr>
                         </m:sSubPr>
@@ -5173,7 +5173,7 @@
                               <a:solidFill>
                                 <a:schemeClr val="tx1"/>
                               </a:solidFill>
-                              <a:latin typeface="Cambria Math" panose="02040503050406030204" pitchFamily="18" charset="0"/>
+                              <a:latin typeface="Cambria Math"/>
                             </a:rPr>
                           </m:ctrlPr>
                         </m:sSubPr>
@@ -5186,7 +5186,7 @@
                                   <a:solidFill>
                                     <a:schemeClr val="tx1"/>
                                   </a:solidFill>
-                                  <a:latin typeface="Cambria Math" panose="02040503050406030204" pitchFamily="18" charset="0"/>
+                                  <a:latin typeface="Cambria Math"/>
                                 </a:rPr>
                               </m:ctrlPr>
                             </m:accPr>
@@ -5231,7 +5231,7 @@
                               <a:solidFill>
                                 <a:schemeClr val="tx1"/>
                               </a:solidFill>
-                              <a:latin typeface="Cambria Math" panose="02040503050406030204" pitchFamily="18" charset="0"/>
+                              <a:latin typeface="Cambria Math"/>
                             </a:rPr>
                           </m:ctrlPr>
                         </m:fPr>
@@ -5267,7 +5267,7 @@
                               <a:solidFill>
                                 <a:schemeClr val="tx1"/>
                               </a:solidFill>
-                              <a:latin typeface="Cambria Math" panose="02040503050406030204" pitchFamily="18" charset="0"/>
+                              <a:latin typeface="Cambria Math"/>
                             </a:rPr>
                           </m:ctrlPr>
                         </m:naryPr>
@@ -5322,7 +5322,7 @@
                                   <a:solidFill>
                                     <a:schemeClr val="tx1"/>
                                   </a:solidFill>
-                                  <a:latin typeface="Cambria Math" panose="02040503050406030204" pitchFamily="18" charset="0"/>
+                                  <a:latin typeface="Cambria Math"/>
                                 </a:rPr>
                               </m:ctrlPr>
                             </m:sSupPr>
@@ -5343,7 +5343,7 @@
                                       <a:solidFill>
                                         <a:schemeClr val="tx1"/>
                                       </a:solidFill>
-                                      <a:latin typeface="Cambria Math" panose="02040503050406030204" pitchFamily="18" charset="0"/>
+                                      <a:latin typeface="Cambria Math"/>
                                     </a:rPr>
                                   </m:ctrlPr>
                                 </m:sSubPr>
@@ -5404,7 +5404,7 @@
                                       <a:solidFill>
                                         <a:srgbClr val="003056"/>
                                       </a:solidFill>
-                                      <a:latin typeface="Cambria Math" panose="02040503050406030204" pitchFamily="18" charset="0"/>
+                                      <a:latin typeface="Cambria Math"/>
                                     </a:rPr>
                                   </m:ctrlPr>
                                 </m:sSubPr>
@@ -5417,7 +5417,7 @@
                                           <a:solidFill>
                                             <a:srgbClr val="003056"/>
                                           </a:solidFill>
-                                          <a:latin typeface="Cambria Math" panose="02040503050406030204" pitchFamily="18" charset="0"/>
+                                          <a:latin typeface="Cambria Math"/>
                                         </a:rPr>
                                       </m:ctrlPr>
                                     </m:accPr>
@@ -5453,7 +5453,7 @@
                                       <a:solidFill>
                                         <a:srgbClr val="003056"/>
                                       </a:solidFill>
-                                      <a:latin typeface="Cambria Math" panose="02040503050406030204" pitchFamily="18" charset="0"/>
+                                      <a:latin typeface="Cambria Math"/>
                                     </a:rPr>
                                   </m:ctrlPr>
                                 </m:dPr>
@@ -5465,7 +5465,7 @@
                                           <a:solidFill>
                                             <a:srgbClr val="003056"/>
                                           </a:solidFill>
-                                          <a:latin typeface="Cambria Math" panose="02040503050406030204" pitchFamily="18" charset="0"/>
+                                          <a:latin typeface="Cambria Math"/>
                                         </a:rPr>
                                       </m:ctrlPr>
                                     </m:sSubPr>
@@ -6245,7 +6245,7 @@
                       <m:sSubPr>
                         <m:ctrlPr>
                           <a:rPr lang="de-DE" sz="1600" i="1">
-                            <a:latin typeface="Cambria Math" panose="02040503050406030204" pitchFamily="18" charset="0"/>
+                            <a:latin typeface="Cambria Math"/>
                           </a:rPr>
                         </m:ctrlPr>
                       </m:sSubPr>
@@ -6276,7 +6276,7 @@
                       <m:sSupPr>
                         <m:ctrlPr>
                           <a:rPr lang="de-DE" sz="1600" b="1" i="1">
-                            <a:latin typeface="Cambria Math" panose="02040503050406030204" pitchFamily="18" charset="0"/>
+                            <a:latin typeface="Cambria Math"/>
                           </a:rPr>
                         </m:ctrlPr>
                       </m:sSupPr>
@@ -6293,7 +6293,7 @@
                           <m:sSubPr>
                             <m:ctrlPr>
                               <a:rPr lang="de-DE" sz="1600" b="1" i="1">
-                                <a:latin typeface="Cambria Math" panose="02040503050406030204" pitchFamily="18" charset="0"/>
+                                <a:latin typeface="Cambria Math"/>
                               </a:rPr>
                             </m:ctrlPr>
                           </m:sSubPr>
@@ -6326,7 +6326,7 @@
                       <m:sSubPr>
                         <m:ctrlPr>
                           <a:rPr lang="de-DE" sz="1600" b="1" i="1">
-                            <a:latin typeface="Cambria Math" panose="02040503050406030204" pitchFamily="18" charset="0"/>
+                            <a:latin typeface="Cambria Math"/>
                           </a:rPr>
                         </m:ctrlPr>
                       </m:sSubPr>
@@ -6360,7 +6360,7 @@
                       <m:sSubPr>
                         <m:ctrlPr>
                           <a:rPr lang="de-DE" sz="1600" i="1">
-                            <a:latin typeface="Cambria Math" panose="02040503050406030204" pitchFamily="18" charset="0"/>
+                            <a:latin typeface="Cambria Math"/>
                           </a:rPr>
                         </m:ctrlPr>
                       </m:sSubPr>
@@ -6438,7 +6438,7 @@
                       <m:sSubPr>
                         <m:ctrlPr>
                           <a:rPr lang="de-DE" sz="1600" i="1">
-                            <a:latin typeface="Cambria Math" panose="02040503050406030204" pitchFamily="18" charset="0"/>
+                            <a:latin typeface="Cambria Math"/>
                           </a:rPr>
                         </m:ctrlPr>
                       </m:sSubPr>
@@ -6469,7 +6469,7 @@
                       <m:sSubPr>
                         <m:ctrlPr>
                           <a:rPr lang="de-DE" sz="1600" b="1" i="1">
-                            <a:latin typeface="Cambria Math" panose="02040503050406030204" pitchFamily="18" charset="0"/>
+                            <a:latin typeface="Cambria Math"/>
                           </a:rPr>
                         </m:ctrlPr>
                       </m:sSubPr>
@@ -6503,7 +6503,7 @@
                       <m:sSubPr>
                         <m:ctrlPr>
                           <a:rPr lang="de-DE" sz="1600" i="1">
-                            <a:latin typeface="Cambria Math" panose="02040503050406030204" pitchFamily="18" charset="0"/>
+                            <a:latin typeface="Cambria Math"/>
                           </a:rPr>
                         </m:ctrlPr>
                       </m:sSubPr>
@@ -6591,7 +6591,7 @@
                       <m:sSubPr>
                         <m:ctrlPr>
                           <a:rPr lang="de-DE" sz="1600" i="1">
-                            <a:latin typeface="Cambria Math" panose="02040503050406030204" pitchFamily="18" charset="0"/>
+                            <a:latin typeface="Cambria Math"/>
                           </a:rPr>
                         </m:ctrlPr>
                       </m:sSubPr>
@@ -6623,7 +6623,7 @@
                         <m:chr m:val="̂"/>
                         <m:ctrlPr>
                           <a:rPr lang="de-DE" sz="1600" i="1">
-                            <a:latin typeface="Cambria Math" panose="02040503050406030204" pitchFamily="18" charset="0"/>
+                            <a:latin typeface="Cambria Math"/>
                           </a:rPr>
                         </m:ctrlPr>
                       </m:accPr>
@@ -6648,7 +6648,7 @@
                         <m:chr m:val="̂"/>
                         <m:ctrlPr>
                           <a:rPr lang="de-DE" sz="1600" i="1">
-                            <a:latin typeface="Cambria Math" panose="02040503050406030204" pitchFamily="18" charset="0"/>
+                            <a:latin typeface="Cambria Math"/>
                           </a:rPr>
                         </m:ctrlPr>
                       </m:accPr>
@@ -6666,7 +6666,7 @@
                       <m:sSubPr>
                         <m:ctrlPr>
                           <a:rPr lang="de-DE" sz="1600" i="1">
-                            <a:latin typeface="Cambria Math" panose="02040503050406030204" pitchFamily="18" charset="0"/>
+                            <a:latin typeface="Cambria Math"/>
                           </a:rPr>
                         </m:ctrlPr>
                       </m:sSubPr>
@@ -6703,7 +6703,7 @@
                       <m:sSubPr>
                         <m:ctrlPr>
                           <a:rPr lang="de-DE" sz="1600" i="1">
-                            <a:latin typeface="Cambria Math" panose="02040503050406030204" pitchFamily="18" charset="0"/>
+                            <a:latin typeface="Cambria Math"/>
                           </a:rPr>
                         </m:ctrlPr>
                       </m:sSubPr>
@@ -7037,7 +7037,7 @@
                       <m:sSubPr>
                         <m:ctrlPr>
                           <a:rPr lang="de-DE" sz="1600" i="1">
-                            <a:latin typeface="Cambria Math" panose="02040503050406030204" pitchFamily="18" charset="0"/>
+                            <a:latin typeface="Cambria Math"/>
                           </a:rPr>
                         </m:ctrlPr>
                       </m:sSubPr>
@@ -7069,7 +7069,7 @@
                         <m:chr m:val="̂"/>
                         <m:ctrlPr>
                           <a:rPr lang="de-DE" sz="1600" i="1">
-                            <a:latin typeface="Cambria Math" panose="02040503050406030204" pitchFamily="18" charset="0"/>
+                            <a:latin typeface="Cambria Math"/>
                           </a:rPr>
                         </m:ctrlPr>
                       </m:accPr>
@@ -7094,7 +7094,7 @@
                         <m:limLoc m:val="subSup"/>
                         <m:ctrlPr>
                           <a:rPr lang="de-DE" sz="1600" i="1">
-                            <a:latin typeface="Cambria Math" panose="02040503050406030204" pitchFamily="18" charset="0"/>
+                            <a:latin typeface="Cambria Math"/>
                           </a:rPr>
                         </m:ctrlPr>
                       </m:naryPr>
@@ -7146,7 +7146,7 @@
                           <m:sSubPr>
                             <m:ctrlPr>
                               <a:rPr lang="de-DE" sz="1600" i="1">
-                                <a:latin typeface="Cambria Math" panose="02040503050406030204" pitchFamily="18" charset="0"/>
+                                <a:latin typeface="Cambria Math"/>
                               </a:rPr>
                             </m:ctrlPr>
                           </m:sSubPr>
@@ -7156,7 +7156,7 @@
                                 <m:chr m:val="̂"/>
                                 <m:ctrlPr>
                                   <a:rPr lang="de-DE" sz="1600" i="1">
-                                    <a:latin typeface="Cambria Math" panose="02040503050406030204" pitchFamily="18" charset="0"/>
+                                    <a:latin typeface="Cambria Math"/>
                                   </a:rPr>
                                 </m:ctrlPr>
                               </m:accPr>
@@ -7184,7 +7184,7 @@
                           <m:sSubSupPr>
                             <m:ctrlPr>
                               <a:rPr lang="de-DE" sz="1600" i="1">
-                                <a:latin typeface="Cambria Math" panose="02040503050406030204" pitchFamily="18" charset="0"/>
+                                <a:latin typeface="Cambria Math"/>
                               </a:rPr>
                             </m:ctrlPr>
                           </m:sSubSupPr>
@@ -7225,7 +7225,7 @@
                       <m:sSubPr>
                         <m:ctrlPr>
                           <a:rPr lang="de-DE" sz="1600" i="1">
-                            <a:latin typeface="Cambria Math" panose="02040503050406030204" pitchFamily="18" charset="0"/>
+                            <a:latin typeface="Cambria Math"/>
                           </a:rPr>
                         </m:ctrlPr>
                       </m:sSubPr>
@@ -7661,7 +7661,7 @@
                         <m:sSubPr>
                           <m:ctrlPr>
                             <a:rPr lang="de-DE" sz="1600" i="1">
-                              <a:latin typeface="Cambria Math" panose="02040503050406030204" pitchFamily="18" charset="0"/>
+                              <a:latin typeface="Cambria Math"/>
                             </a:rPr>
                           </m:ctrlPr>
                         </m:sSubPr>
@@ -7671,7 +7671,7 @@
                               <m:chr m:val="̂"/>
                               <m:ctrlPr>
                                 <a:rPr lang="de-DE" sz="1600" i="1">
-                                  <a:latin typeface="Cambria Math" panose="02040503050406030204" pitchFamily="18" charset="0"/>
+                                  <a:latin typeface="Cambria Math"/>
                                 </a:rPr>
                               </m:ctrlPr>
                             </m:accPr>
@@ -7704,7 +7704,7 @@
                         <m:funcPr>
                           <m:ctrlPr>
                             <a:rPr lang="de-DE" sz="1600" i="1">
-                              <a:latin typeface="Cambria Math" panose="02040503050406030204" pitchFamily="18" charset="0"/>
+                              <a:latin typeface="Cambria Math"/>
                             </a:rPr>
                           </m:ctrlPr>
                         </m:funcPr>
@@ -7713,7 +7713,7 @@
                             <m:limLowPr>
                               <m:ctrlPr>
                                 <a:rPr lang="de-DE" sz="1600" i="1">
-                                  <a:latin typeface="Cambria Math" panose="02040503050406030204" pitchFamily="18" charset="0"/>
+                                  <a:latin typeface="Cambria Math"/>
                                 </a:rPr>
                               </m:ctrlPr>
                             </m:limLowPr>
@@ -7774,7 +7774,7 @@
                               <m:limLoc m:val="subSup"/>
                               <m:ctrlPr>
                                 <a:rPr lang="de-DE" sz="1600" i="1">
-                                  <a:latin typeface="Cambria Math" panose="02040503050406030204" pitchFamily="18" charset="0"/>
+                                  <a:latin typeface="Cambria Math"/>
                                 </a:rPr>
                               </m:ctrlPr>
                             </m:naryPr>
@@ -7808,7 +7808,7 @@
                                 <m:sSupPr>
                                   <m:ctrlPr>
                                     <a:rPr lang="de-DE" sz="1600" i="1">
-                                      <a:latin typeface="Cambria Math" panose="02040503050406030204" pitchFamily="18" charset="0"/>
+                                      <a:latin typeface="Cambria Math"/>
                                     </a:rPr>
                                   </m:ctrlPr>
                                 </m:sSupPr>
@@ -7823,7 +7823,7 @@
                                     <m:sSubPr>
                                       <m:ctrlPr>
                                         <a:rPr lang="de-DE" sz="1600" i="1">
-                                          <a:latin typeface="Cambria Math" panose="02040503050406030204" pitchFamily="18" charset="0"/>
+                                          <a:latin typeface="Cambria Math"/>
                                         </a:rPr>
                                       </m:ctrlPr>
                                     </m:sSubPr>
@@ -7860,7 +7860,7 @@
                                     <m:dPr>
                                       <m:ctrlPr>
                                         <a:rPr lang="de-DE" sz="1600" i="1">
-                                          <a:latin typeface="Cambria Math" panose="02040503050406030204" pitchFamily="18" charset="0"/>
+                                          <a:latin typeface="Cambria Math"/>
                                         </a:rPr>
                                       </m:ctrlPr>
                                     </m:dPr>
@@ -7869,7 +7869,7 @@
                                         <m:sSubPr>
                                           <m:ctrlPr>
                                             <a:rPr lang="de-DE" sz="1600" i="1">
-                                              <a:latin typeface="Cambria Math" panose="02040503050406030204" pitchFamily="18" charset="0"/>
+                                              <a:latin typeface="Cambria Math"/>
                                             </a:rPr>
                                           </m:ctrlPr>
                                         </m:sSubPr>
@@ -8157,7 +8157,7 @@
                       <m:sSubPr>
                         <m:ctrlPr>
                           <a:rPr lang="de-DE" sz="1600" i="1" smtClean="0">
-                            <a:latin typeface="Cambria Math" panose="02040503050406030204" pitchFamily="18" charset="0"/>
+                            <a:latin typeface="Cambria Math"/>
                           </a:rPr>
                         </m:ctrlPr>
                       </m:sSubPr>
@@ -8188,7 +8188,7 @@
                       <m:sSupPr>
                         <m:ctrlPr>
                           <a:rPr lang="de-DE" sz="1600" b="1" i="1" smtClean="0">
-                            <a:latin typeface="Cambria Math" panose="02040503050406030204" pitchFamily="18" charset="0"/>
+                            <a:latin typeface="Cambria Math"/>
                           </a:rPr>
                         </m:ctrlPr>
                       </m:sSupPr>
@@ -8205,7 +8205,7 @@
                           <m:sSubPr>
                             <m:ctrlPr>
                               <a:rPr lang="de-DE" sz="1600" b="1" i="1" smtClean="0">
-                                <a:latin typeface="Cambria Math" panose="02040503050406030204" pitchFamily="18" charset="0"/>
+                                <a:latin typeface="Cambria Math"/>
                               </a:rPr>
                             </m:ctrlPr>
                           </m:sSubPr>
@@ -8238,7 +8238,7 @@
                       <m:sSubPr>
                         <m:ctrlPr>
                           <a:rPr lang="de-DE" sz="1600" b="1" i="1" smtClean="0">
-                            <a:latin typeface="Cambria Math" panose="02040503050406030204" pitchFamily="18" charset="0"/>
+                            <a:latin typeface="Cambria Math"/>
                           </a:rPr>
                         </m:ctrlPr>
                       </m:sSubPr>
@@ -8272,7 +8272,7 @@
                       <m:sSubPr>
                         <m:ctrlPr>
                           <a:rPr lang="de-DE" sz="1600" i="1" smtClean="0">
-                            <a:latin typeface="Cambria Math" panose="02040503050406030204" pitchFamily="18" charset="0"/>
+                            <a:latin typeface="Cambria Math"/>
                           </a:rPr>
                         </m:ctrlPr>
                       </m:sSubPr>
@@ -8347,7 +8347,7 @@
                       <m:sSubPr>
                         <m:ctrlPr>
                           <a:rPr lang="de-DE" sz="1600" i="1" smtClean="0">
-                            <a:latin typeface="Cambria Math" panose="02040503050406030204" pitchFamily="18" charset="0"/>
+                            <a:latin typeface="Cambria Math"/>
                           </a:rPr>
                         </m:ctrlPr>
                       </m:sSubPr>
@@ -8378,7 +8378,7 @@
                       <m:sSubPr>
                         <m:ctrlPr>
                           <a:rPr lang="de-DE" sz="1600" b="1" i="1" smtClean="0">
-                            <a:latin typeface="Cambria Math" panose="02040503050406030204" pitchFamily="18" charset="0"/>
+                            <a:latin typeface="Cambria Math"/>
                           </a:rPr>
                         </m:ctrlPr>
                       </m:sSubPr>
@@ -8412,7 +8412,7 @@
                       <m:sSubPr>
                         <m:ctrlPr>
                           <a:rPr lang="de-DE" sz="1600" i="1">
-                            <a:latin typeface="Cambria Math" panose="02040503050406030204" pitchFamily="18" charset="0"/>
+                            <a:latin typeface="Cambria Math"/>
                           </a:rPr>
                         </m:ctrlPr>
                       </m:sSubPr>
@@ -8494,7 +8494,7 @@
                       <m:sSubPr>
                         <m:ctrlPr>
                           <a:rPr lang="de-DE" sz="1600" i="1">
-                            <a:latin typeface="Cambria Math" panose="02040503050406030204" pitchFamily="18" charset="0"/>
+                            <a:latin typeface="Cambria Math"/>
                           </a:rPr>
                         </m:ctrlPr>
                       </m:sSubPr>
@@ -8526,7 +8526,7 @@
                         <m:chr m:val="̂"/>
                         <m:ctrlPr>
                           <a:rPr lang="de-DE" sz="1600" i="1" smtClean="0">
-                            <a:latin typeface="Cambria Math" panose="02040503050406030204" pitchFamily="18" charset="0"/>
+                            <a:latin typeface="Cambria Math"/>
                           </a:rPr>
                         </m:ctrlPr>
                       </m:accPr>
@@ -8550,7 +8550,7 @@
                       <m:sSubPr>
                         <m:ctrlPr>
                           <a:rPr lang="de-DE" sz="1600" b="1" i="1" smtClean="0">
-                            <a:latin typeface="Cambria Math" panose="02040503050406030204" pitchFamily="18" charset="0"/>
+                            <a:latin typeface="Cambria Math"/>
                           </a:rPr>
                         </m:ctrlPr>
                       </m:sSubPr>
@@ -8560,7 +8560,7 @@
                             <m:chr m:val="̂"/>
                             <m:ctrlPr>
                               <a:rPr lang="de-DE" sz="1600" i="1">
-                                <a:latin typeface="Cambria Math" panose="02040503050406030204" pitchFamily="18" charset="0"/>
+                                <a:latin typeface="Cambria Math"/>
                               </a:rPr>
                             </m:ctrlPr>
                           </m:accPr>
@@ -8588,7 +8588,7 @@
                       <m:sSubSupPr>
                         <m:ctrlPr>
                           <a:rPr lang="de-DE" sz="1600" b="1" i="1" smtClean="0">
-                            <a:latin typeface="Cambria Math" panose="02040503050406030204" pitchFamily="18" charset="0"/>
+                            <a:latin typeface="Cambria Math"/>
                           </a:rPr>
                         </m:ctrlPr>
                       </m:sSubSupPr>
@@ -8627,7 +8627,7 @@
                       <m:sSubPr>
                         <m:ctrlPr>
                           <a:rPr lang="de-DE" sz="1600" b="1" i="1" smtClean="0">
-                            <a:latin typeface="Cambria Math" panose="02040503050406030204" pitchFamily="18" charset="0"/>
+                            <a:latin typeface="Cambria Math"/>
                           </a:rPr>
                         </m:ctrlPr>
                       </m:sSubPr>
@@ -8637,7 +8637,7 @@
                             <m:chr m:val="̂"/>
                             <m:ctrlPr>
                               <a:rPr lang="de-DE" sz="1600" b="1" i="1" smtClean="0">
-                                <a:latin typeface="Cambria Math" panose="02040503050406030204" pitchFamily="18" charset="0"/>
+                                <a:latin typeface="Cambria Math"/>
                               </a:rPr>
                             </m:ctrlPr>
                           </m:accPr>
@@ -8665,7 +8665,7 @@
                       <m:sSubSupPr>
                         <m:ctrlPr>
                           <a:rPr lang="de-DE" sz="1600" b="1" i="1" smtClean="0">
-                            <a:latin typeface="Cambria Math" panose="02040503050406030204" pitchFamily="18" charset="0"/>
+                            <a:latin typeface="Cambria Math"/>
                           </a:rPr>
                         </m:ctrlPr>
                       </m:sSubSupPr>
@@ -8704,7 +8704,7 @@
                       <m:sSubPr>
                         <m:ctrlPr>
                           <a:rPr lang="de-DE" sz="1600" i="1">
-                            <a:latin typeface="Cambria Math" panose="02040503050406030204" pitchFamily="18" charset="0"/>
+                            <a:latin typeface="Cambria Math"/>
                           </a:rPr>
                         </m:ctrlPr>
                       </m:sSubPr>
@@ -9002,11 +9002,7 @@
           <a:p>
             <a:r>
               <a:rPr lang="de-DE" dirty="0" smtClean="0"/>
-              <a:t>Two</a:t>
-            </a:r>
-            <a:r>
-              <a:rPr lang="de-DE" dirty="0" smtClean="0"/>
-              <a:t>-weeks </a:t>
+              <a:t>Two-weeks </a:t>
             </a:r>
             <a:r>
               <a:rPr lang="de-DE" dirty="0"/>
@@ -9927,7 +9923,7 @@
                       <m:sSubPr>
                         <m:ctrlPr>
                           <a:rPr lang="en-US" i="1">
-                            <a:latin typeface="Cambria Math" panose="02040503050406030204" pitchFamily="18" charset="0"/>
+                            <a:latin typeface="Cambria Math"/>
                           </a:rPr>
                         </m:ctrlPr>
                       </m:sSubPr>
@@ -9995,7 +9991,7 @@
                         <m:funcPr>
                           <m:ctrlPr>
                             <a:rPr lang="de-DE" sz="1600" i="1">
-                              <a:latin typeface="Cambria Math" panose="02040503050406030204" pitchFamily="18" charset="0"/>
+                              <a:latin typeface="Cambria Math"/>
                             </a:rPr>
                           </m:ctrlPr>
                         </m:funcPr>
@@ -10004,7 +10000,7 @@
                             <m:limLowPr>
                               <m:ctrlPr>
                                 <a:rPr lang="de-DE" sz="1600" i="1">
-                                  <a:latin typeface="Cambria Math" panose="02040503050406030204" pitchFamily="18" charset="0"/>
+                                  <a:latin typeface="Cambria Math"/>
                                 </a:rPr>
                               </m:ctrlPr>
                             </m:limLowPr>
@@ -10036,7 +10032,7 @@
                                 <m:sSupPr>
                                   <m:ctrlPr>
                                     <a:rPr lang="de-DE" sz="1600" i="1">
-                                      <a:latin typeface="Cambria Math" panose="02040503050406030204" pitchFamily="18" charset="0"/>
+                                      <a:latin typeface="Cambria Math"/>
                                     </a:rPr>
                                   </m:ctrlPr>
                                 </m:sSupPr>
@@ -10066,7 +10062,7 @@
                               <m:chr m:val="∑"/>
                               <m:ctrlPr>
                                 <a:rPr lang="de-DE" sz="1600" i="1">
-                                  <a:latin typeface="Cambria Math" panose="02040503050406030204" pitchFamily="18" charset="0"/>
+                                  <a:latin typeface="Cambria Math"/>
                                 </a:rPr>
                               </m:ctrlPr>
                             </m:naryPr>
@@ -10100,7 +10096,7 @@
                                 <m:sSupPr>
                                   <m:ctrlPr>
                                     <a:rPr lang="de-DE" sz="1600" i="1">
-                                      <a:latin typeface="Cambria Math" panose="02040503050406030204" pitchFamily="18" charset="0"/>
+                                      <a:latin typeface="Cambria Math"/>
                                     </a:rPr>
                                   </m:ctrlPr>
                                 </m:sSupPr>
@@ -10115,7 +10111,7 @@
                                     <m:sSubPr>
                                       <m:ctrlPr>
                                         <a:rPr lang="de-DE" sz="1600" i="1">
-                                          <a:latin typeface="Cambria Math" panose="02040503050406030204" pitchFamily="18" charset="0"/>
+                                          <a:latin typeface="Cambria Math"/>
                                         </a:rPr>
                                       </m:ctrlPr>
                                     </m:sSubPr>
@@ -10146,7 +10142,7 @@
                                     <m:sSupPr>
                                       <m:ctrlPr>
                                         <a:rPr lang="de-DE" sz="1600" i="1">
-                                          <a:latin typeface="Cambria Math" panose="02040503050406030204" pitchFamily="18" charset="0"/>
+                                          <a:latin typeface="Cambria Math"/>
                                         </a:rPr>
                                       </m:ctrlPr>
                                     </m:sSupPr>
@@ -10171,7 +10167,7 @@
                                     <m:sSubPr>
                                       <m:ctrlPr>
                                         <a:rPr lang="de-DE" sz="1600" i="1">
-                                          <a:latin typeface="Cambria Math" panose="02040503050406030204" pitchFamily="18" charset="0"/>
+                                          <a:latin typeface="Cambria Math"/>
                                         </a:rPr>
                                       </m:ctrlPr>
                                     </m:sSubPr>
@@ -10228,7 +10224,7 @@
                                   <m:chr m:val="∑"/>
                                   <m:ctrlPr>
                                     <a:rPr lang="el-GR" sz="1600" i="1">
-                                      <a:latin typeface="Cambria Math" panose="02040503050406030204" pitchFamily="18" charset="0"/>
+                                      <a:latin typeface="Cambria Math"/>
                                     </a:rPr>
                                   </m:ctrlPr>
                                 </m:naryPr>
@@ -10268,7 +10264,7 @@
                                     <m:sSubPr>
                                       <m:ctrlPr>
                                         <a:rPr lang="de-DE" sz="1600" i="1" smtClean="0">
-                                          <a:latin typeface="Cambria Math" panose="02040503050406030204" pitchFamily="18" charset="0"/>
+                                          <a:latin typeface="Cambria Math"/>
                                         </a:rPr>
                                       </m:ctrlPr>
                                     </m:sSubPr>
@@ -10680,7 +10676,7 @@
                       <m:sSubPr>
                         <m:ctrlPr>
                           <a:rPr lang="de-DE" sz="1400" i="1" smtClean="0">
-                            <a:latin typeface="Cambria Math" panose="02040503050406030204" pitchFamily="18" charset="0"/>
+                            <a:latin typeface="Cambria Math"/>
                           </a:rPr>
                         </m:ctrlPr>
                       </m:sSubPr>
@@ -10713,7 +10709,7 @@
                         <m:limLoc m:val="subSup"/>
                         <m:ctrlPr>
                           <a:rPr lang="de-DE" sz="1400" b="0" i="1" smtClean="0">
-                            <a:latin typeface="Cambria Math" panose="02040503050406030204" pitchFamily="18" charset="0"/>
+                            <a:latin typeface="Cambria Math"/>
                             <a:ea typeface="Cambria Math" panose="02040503050406030204" pitchFamily="18" charset="0"/>
                           </a:rPr>
                         </m:ctrlPr>
@@ -10751,7 +10747,7 @@
                           <m:sSubPr>
                             <m:ctrlPr>
                               <a:rPr lang="de-DE" sz="1400" b="0" i="1" smtClean="0">
-                                <a:latin typeface="Cambria Math" panose="02040503050406030204" pitchFamily="18" charset="0"/>
+                                <a:latin typeface="Cambria Math"/>
                                 <a:ea typeface="Cambria Math" panose="02040503050406030204" pitchFamily="18" charset="0"/>
                               </a:rPr>
                             </m:ctrlPr>
@@ -10788,7 +10784,7 @@
                       <m:sSubPr>
                         <m:ctrlPr>
                           <a:rPr lang="de-DE" sz="1400" b="0" i="1" smtClean="0">
-                            <a:latin typeface="Cambria Math" panose="02040503050406030204" pitchFamily="18" charset="0"/>
+                            <a:latin typeface="Cambria Math"/>
                             <a:ea typeface="Cambria Math" panose="02040503050406030204" pitchFamily="18" charset="0"/>
                           </a:rPr>
                         </m:ctrlPr>
@@ -10824,7 +10820,7 @@
                       <m:sSubPr>
                         <m:ctrlPr>
                           <a:rPr lang="de-DE" sz="1400" i="1" smtClean="0">
-                            <a:latin typeface="Cambria Math" panose="02040503050406030204" pitchFamily="18" charset="0"/>
+                            <a:latin typeface="Cambria Math"/>
                           </a:rPr>
                         </m:ctrlPr>
                       </m:sSubPr>
@@ -10881,7 +10877,7 @@
                       <m:sSubPr>
                         <m:ctrlPr>
                           <a:rPr lang="de-DE" sz="1400" i="1" smtClean="0">
-                            <a:latin typeface="Cambria Math" panose="02040503050406030204" pitchFamily="18" charset="0"/>
+                            <a:latin typeface="Cambria Math"/>
                           </a:rPr>
                         </m:ctrlPr>
                       </m:sSubPr>
@@ -10912,7 +10908,7 @@
                       <m:sSubPr>
                         <m:ctrlPr>
                           <a:rPr lang="de-DE" sz="1400" b="0" i="1" smtClean="0">
-                            <a:latin typeface="Cambria Math" panose="02040503050406030204" pitchFamily="18" charset="0"/>
+                            <a:latin typeface="Cambria Math"/>
                           </a:rPr>
                         </m:ctrlPr>
                       </m:sSubPr>
@@ -10961,7 +10957,7 @@
                         <m:endChr m:val="}"/>
                         <m:ctrlPr>
                           <a:rPr lang="de-DE" sz="1400" b="0" i="1" smtClean="0">
-                            <a:latin typeface="Cambria Math" panose="02040503050406030204" pitchFamily="18" charset="0"/>
+                            <a:latin typeface="Cambria Math"/>
                             <a:ea typeface="Cambria Math" panose="02040503050406030204" pitchFamily="18" charset="0"/>
                           </a:rPr>
                         </m:ctrlPr>
@@ -10988,7 +10984,7 @@
                       <m:sSubPr>
                         <m:ctrlPr>
                           <a:rPr lang="de-DE" sz="1400" i="1" smtClean="0">
-                            <a:latin typeface="Cambria Math" panose="02040503050406030204" pitchFamily="18" charset="0"/>
+                            <a:latin typeface="Cambria Math"/>
                           </a:rPr>
                         </m:ctrlPr>
                       </m:sSubPr>
@@ -11052,7 +11048,7 @@
                       <m:dPr>
                         <m:ctrlPr>
                           <a:rPr lang="de-DE" sz="1400" b="0" i="1" smtClean="0">
-                            <a:latin typeface="Cambria Math" panose="02040503050406030204" pitchFamily="18" charset="0"/>
+                            <a:latin typeface="Cambria Math"/>
                             <a:ea typeface="Cambria Math" panose="02040503050406030204" pitchFamily="18" charset="0"/>
                           </a:rPr>
                         </m:ctrlPr>
@@ -11062,7 +11058,7 @@
                           <m:sSubPr>
                             <m:ctrlPr>
                               <a:rPr lang="de-DE" sz="1400" b="0" i="1" smtClean="0">
-                                <a:latin typeface="Cambria Math" panose="02040503050406030204" pitchFamily="18" charset="0"/>
+                                <a:latin typeface="Cambria Math"/>
                                 <a:ea typeface="Cambria Math" panose="02040503050406030204" pitchFamily="18" charset="0"/>
                               </a:rPr>
                             </m:ctrlPr>
@@ -11097,7 +11093,7 @@
                           <m:sSubPr>
                             <m:ctrlPr>
                               <a:rPr lang="de-DE" sz="1400" b="0" i="1" smtClean="0">
-                                <a:latin typeface="Cambria Math" panose="02040503050406030204" pitchFamily="18" charset="0"/>
+                                <a:latin typeface="Cambria Math"/>
                                 <a:ea typeface="Cambria Math" panose="02040503050406030204" pitchFamily="18" charset="0"/>
                               </a:rPr>
                             </m:ctrlPr>
@@ -11169,7 +11165,7 @@
                         <m:endChr m:val="}"/>
                         <m:ctrlPr>
                           <a:rPr lang="de-DE" sz="1400" i="1">
-                            <a:latin typeface="Cambria Math" panose="02040503050406030204" pitchFamily="18" charset="0"/>
+                            <a:latin typeface="Cambria Math"/>
                             <a:ea typeface="Cambria Math" panose="02040503050406030204" pitchFamily="18" charset="0"/>
                           </a:rPr>
                         </m:ctrlPr>
@@ -11261,7 +11257,7 @@
                       <m:sSubPr>
                         <m:ctrlPr>
                           <a:rPr lang="de-DE" sz="1600" i="1" smtClean="0">
-                            <a:latin typeface="Cambria Math" panose="02040503050406030204" pitchFamily="18" charset="0"/>
+                            <a:latin typeface="Cambria Math"/>
                           </a:rPr>
                         </m:ctrlPr>
                       </m:sSubPr>
@@ -11292,7 +11288,7 @@
                       <m:sSubPr>
                         <m:ctrlPr>
                           <a:rPr lang="de-DE" sz="1600" b="0" i="1" smtClean="0">
-                            <a:latin typeface="Cambria Math" panose="02040503050406030204" pitchFamily="18" charset="0"/>
+                            <a:latin typeface="Cambria Math"/>
                           </a:rPr>
                         </m:ctrlPr>
                       </m:sSubPr>
@@ -11451,28 +11447,28 @@
                 <a:gridCol w="531042">
                   <a:extLst>
                     <a:ext uri="{9D8B030D-6E8A-4147-A177-3AD203B41FA5}">
-                      <a16:colId xmlns:a16="http://schemas.microsoft.com/office/drawing/2014/main" val="3482441607"/>
+                      <a16:colId xmlns:a16="http://schemas.microsoft.com/office/drawing/2014/main" xmlns="" val="3482441607"/>
                     </a:ext>
                   </a:extLst>
                 </a:gridCol>
                 <a:gridCol w="936698">
                   <a:extLst>
                     <a:ext uri="{9D8B030D-6E8A-4147-A177-3AD203B41FA5}">
-                      <a16:colId xmlns:a16="http://schemas.microsoft.com/office/drawing/2014/main" val="1241464966"/>
+                      <a16:colId xmlns:a16="http://schemas.microsoft.com/office/drawing/2014/main" xmlns="" val="1241464966"/>
                     </a:ext>
                   </a:extLst>
                 </a:gridCol>
                 <a:gridCol w="1172717">
                   <a:extLst>
                     <a:ext uri="{9D8B030D-6E8A-4147-A177-3AD203B41FA5}">
-                      <a16:colId xmlns:a16="http://schemas.microsoft.com/office/drawing/2014/main" val="1774008256"/>
+                      <a16:colId xmlns:a16="http://schemas.microsoft.com/office/drawing/2014/main" xmlns="" val="1774008256"/>
                     </a:ext>
                   </a:extLst>
                 </a:gridCol>
                 <a:gridCol w="1172717">
                   <a:extLst>
                     <a:ext uri="{9D8B030D-6E8A-4147-A177-3AD203B41FA5}">
-                      <a16:colId xmlns:a16="http://schemas.microsoft.com/office/drawing/2014/main" val="452272000"/>
+                      <a16:colId xmlns:a16="http://schemas.microsoft.com/office/drawing/2014/main" xmlns="" val="452272000"/>
                     </a:ext>
                   </a:extLst>
                 </a:gridCol>
@@ -11660,7 +11656,7 @@
                 </a:tc>
                 <a:extLst>
                   <a:ext uri="{0D108BD9-81ED-4DB2-BD59-A6C34878D82A}">
-                    <a16:rowId xmlns:a16="http://schemas.microsoft.com/office/drawing/2014/main" val="3251277799"/>
+                    <a16:rowId xmlns:a16="http://schemas.microsoft.com/office/drawing/2014/main" xmlns="" val="3251277799"/>
                   </a:ext>
                 </a:extLst>
               </a:tr>
@@ -11823,7 +11819,7 @@
                 </a:tc>
                 <a:extLst>
                   <a:ext uri="{0D108BD9-81ED-4DB2-BD59-A6C34878D82A}">
-                    <a16:rowId xmlns:a16="http://schemas.microsoft.com/office/drawing/2014/main" val="3091496109"/>
+                    <a16:rowId xmlns:a16="http://schemas.microsoft.com/office/drawing/2014/main" xmlns="" val="3091496109"/>
                   </a:ext>
                 </a:extLst>
               </a:tr>
@@ -11959,7 +11955,7 @@
                 </a:tc>
                 <a:extLst>
                   <a:ext uri="{0D108BD9-81ED-4DB2-BD59-A6C34878D82A}">
-                    <a16:rowId xmlns:a16="http://schemas.microsoft.com/office/drawing/2014/main" val="421758986"/>
+                    <a16:rowId xmlns:a16="http://schemas.microsoft.com/office/drawing/2014/main" xmlns="" val="421758986"/>
                   </a:ext>
                 </a:extLst>
               </a:tr>
@@ -12086,7 +12082,7 @@
                 </a:tc>
                 <a:extLst>
                   <a:ext uri="{0D108BD9-81ED-4DB2-BD59-A6C34878D82A}">
-                    <a16:rowId xmlns:a16="http://schemas.microsoft.com/office/drawing/2014/main" val="3473134671"/>
+                    <a16:rowId xmlns:a16="http://schemas.microsoft.com/office/drawing/2014/main" xmlns="" val="3473134671"/>
                   </a:ext>
                 </a:extLst>
               </a:tr>
@@ -12225,7 +12221,7 @@
                 </a:tc>
                 <a:extLst>
                   <a:ext uri="{0D108BD9-81ED-4DB2-BD59-A6C34878D82A}">
-                    <a16:rowId xmlns:a16="http://schemas.microsoft.com/office/drawing/2014/main" val="876443032"/>
+                    <a16:rowId xmlns:a16="http://schemas.microsoft.com/office/drawing/2014/main" xmlns="" val="876443032"/>
                   </a:ext>
                 </a:extLst>
               </a:tr>
@@ -12361,7 +12357,7 @@
                 </a:tc>
                 <a:extLst>
                   <a:ext uri="{0D108BD9-81ED-4DB2-BD59-A6C34878D82A}">
-                    <a16:rowId xmlns:a16="http://schemas.microsoft.com/office/drawing/2014/main" val="3294326970"/>
+                    <a16:rowId xmlns:a16="http://schemas.microsoft.com/office/drawing/2014/main" xmlns="" val="3294326970"/>
                   </a:ext>
                 </a:extLst>
               </a:tr>
@@ -12488,7 +12484,7 @@
                 </a:tc>
                 <a:extLst>
                   <a:ext uri="{0D108BD9-81ED-4DB2-BD59-A6C34878D82A}">
-                    <a16:rowId xmlns:a16="http://schemas.microsoft.com/office/drawing/2014/main" val="974350084"/>
+                    <a16:rowId xmlns:a16="http://schemas.microsoft.com/office/drawing/2014/main" xmlns="" val="974350084"/>
                   </a:ext>
                 </a:extLst>
               </a:tr>
@@ -12627,7 +12623,7 @@
                 </a:tc>
                 <a:extLst>
                   <a:ext uri="{0D108BD9-81ED-4DB2-BD59-A6C34878D82A}">
-                    <a16:rowId xmlns:a16="http://schemas.microsoft.com/office/drawing/2014/main" val="632077294"/>
+                    <a16:rowId xmlns:a16="http://schemas.microsoft.com/office/drawing/2014/main" xmlns="" val="632077294"/>
                   </a:ext>
                 </a:extLst>
               </a:tr>
@@ -12763,7 +12759,7 @@
                 </a:tc>
                 <a:extLst>
                   <a:ext uri="{0D108BD9-81ED-4DB2-BD59-A6C34878D82A}">
-                    <a16:rowId xmlns:a16="http://schemas.microsoft.com/office/drawing/2014/main" val="2510714921"/>
+                    <a16:rowId xmlns:a16="http://schemas.microsoft.com/office/drawing/2014/main" xmlns="" val="2510714921"/>
                   </a:ext>
                 </a:extLst>
               </a:tr>
@@ -12890,7 +12886,7 @@
                 </a:tc>
                 <a:extLst>
                   <a:ext uri="{0D108BD9-81ED-4DB2-BD59-A6C34878D82A}">
-                    <a16:rowId xmlns:a16="http://schemas.microsoft.com/office/drawing/2014/main" val="1234394720"/>
+                    <a16:rowId xmlns:a16="http://schemas.microsoft.com/office/drawing/2014/main" xmlns="" val="1234394720"/>
                   </a:ext>
                 </a:extLst>
               </a:tr>
@@ -13029,7 +13025,7 @@
                 </a:tc>
                 <a:extLst>
                   <a:ext uri="{0D108BD9-81ED-4DB2-BD59-A6C34878D82A}">
-                    <a16:rowId xmlns:a16="http://schemas.microsoft.com/office/drawing/2014/main" val="2465901716"/>
+                    <a16:rowId xmlns:a16="http://schemas.microsoft.com/office/drawing/2014/main" xmlns="" val="2465901716"/>
                   </a:ext>
                 </a:extLst>
               </a:tr>
@@ -13165,7 +13161,7 @@
                 </a:tc>
                 <a:extLst>
                   <a:ext uri="{0D108BD9-81ED-4DB2-BD59-A6C34878D82A}">
-                    <a16:rowId xmlns:a16="http://schemas.microsoft.com/office/drawing/2014/main" val="1768024411"/>
+                    <a16:rowId xmlns:a16="http://schemas.microsoft.com/office/drawing/2014/main" xmlns="" val="1768024411"/>
                   </a:ext>
                 </a:extLst>
               </a:tr>
@@ -13292,7 +13288,7 @@
                 </a:tc>
                 <a:extLst>
                   <a:ext uri="{0D108BD9-81ED-4DB2-BD59-A6C34878D82A}">
-                    <a16:rowId xmlns:a16="http://schemas.microsoft.com/office/drawing/2014/main" val="504292023"/>
+                    <a16:rowId xmlns:a16="http://schemas.microsoft.com/office/drawing/2014/main" xmlns="" val="504292023"/>
                   </a:ext>
                 </a:extLst>
               </a:tr>
@@ -13431,7 +13427,7 @@
                 </a:tc>
                 <a:extLst>
                   <a:ext uri="{0D108BD9-81ED-4DB2-BD59-A6C34878D82A}">
-                    <a16:rowId xmlns:a16="http://schemas.microsoft.com/office/drawing/2014/main" val="1300600810"/>
+                    <a16:rowId xmlns:a16="http://schemas.microsoft.com/office/drawing/2014/main" xmlns="" val="1300600810"/>
                   </a:ext>
                 </a:extLst>
               </a:tr>
@@ -13594,7 +13590,7 @@
                 </a:tc>
                 <a:extLst>
                   <a:ext uri="{0D108BD9-81ED-4DB2-BD59-A6C34878D82A}">
-                    <a16:rowId xmlns:a16="http://schemas.microsoft.com/office/drawing/2014/main" val="4087872998"/>
+                    <a16:rowId xmlns:a16="http://schemas.microsoft.com/office/drawing/2014/main" xmlns="" val="4087872998"/>
                   </a:ext>
                 </a:extLst>
               </a:tr>
@@ -13921,7 +13917,7 @@
                       <m:sSubPr>
                         <m:ctrlPr>
                           <a:rPr lang="en-US" i="1" smtClean="0">
-                            <a:latin typeface="Cambria Math" panose="02040503050406030204" pitchFamily="18" charset="0"/>
+                            <a:latin typeface="Cambria Math"/>
                           </a:rPr>
                         </m:ctrlPr>
                       </m:sSubPr>
@@ -13989,7 +13985,7 @@
                         <m:funcPr>
                           <m:ctrlPr>
                             <a:rPr lang="de-DE" sz="1600" i="1">
-                              <a:latin typeface="Cambria Math" panose="02040503050406030204" pitchFamily="18" charset="0"/>
+                              <a:latin typeface="Cambria Math"/>
                             </a:rPr>
                           </m:ctrlPr>
                         </m:funcPr>
@@ -13998,7 +13994,7 @@
                             <m:limLowPr>
                               <m:ctrlPr>
                                 <a:rPr lang="de-DE" sz="1600" i="1">
-                                  <a:latin typeface="Cambria Math" panose="02040503050406030204" pitchFamily="18" charset="0"/>
+                                  <a:latin typeface="Cambria Math"/>
                                 </a:rPr>
                               </m:ctrlPr>
                             </m:limLowPr>
@@ -14030,7 +14026,7 @@
                                 <m:sSupPr>
                                   <m:ctrlPr>
                                     <a:rPr lang="de-DE" sz="1600" i="1" smtClean="0">
-                                      <a:latin typeface="Cambria Math" panose="02040503050406030204" pitchFamily="18" charset="0"/>
+                                      <a:latin typeface="Cambria Math"/>
                                     </a:rPr>
                                   </m:ctrlPr>
                                 </m:sSupPr>
@@ -14060,7 +14056,7 @@
                               <m:chr m:val="∑"/>
                               <m:ctrlPr>
                                 <a:rPr lang="de-DE" sz="1600" i="1" smtClean="0">
-                                  <a:latin typeface="Cambria Math" panose="02040503050406030204" pitchFamily="18" charset="0"/>
+                                  <a:latin typeface="Cambria Math"/>
                                 </a:rPr>
                               </m:ctrlPr>
                             </m:naryPr>
@@ -14094,7 +14090,7 @@
                                 <m:sSupPr>
                                   <m:ctrlPr>
                                     <a:rPr lang="de-DE" sz="1600" i="1" smtClean="0">
-                                      <a:latin typeface="Cambria Math" panose="02040503050406030204" pitchFamily="18" charset="0"/>
+                                      <a:latin typeface="Cambria Math"/>
                                     </a:rPr>
                                   </m:ctrlPr>
                                 </m:sSupPr>
@@ -14109,7 +14105,7 @@
                                     <m:sSubPr>
                                       <m:ctrlPr>
                                         <a:rPr lang="de-DE" sz="1600" b="0" i="1" smtClean="0">
-                                          <a:latin typeface="Cambria Math" panose="02040503050406030204" pitchFamily="18" charset="0"/>
+                                          <a:latin typeface="Cambria Math"/>
                                         </a:rPr>
                                       </m:ctrlPr>
                                     </m:sSubPr>
@@ -14140,7 +14136,7 @@
                                     <m:sSupPr>
                                       <m:ctrlPr>
                                         <a:rPr lang="de-DE" sz="1600" b="0" i="1" smtClean="0">
-                                          <a:latin typeface="Cambria Math" panose="02040503050406030204" pitchFamily="18" charset="0"/>
+                                          <a:latin typeface="Cambria Math"/>
                                         </a:rPr>
                                       </m:ctrlPr>
                                     </m:sSupPr>
@@ -14165,7 +14161,7 @@
                                     <m:sSubPr>
                                       <m:ctrlPr>
                                         <a:rPr lang="de-DE" sz="1600" i="1">
-                                          <a:latin typeface="Cambria Math" panose="02040503050406030204" pitchFamily="18" charset="0"/>
+                                          <a:latin typeface="Cambria Math"/>
                                         </a:rPr>
                                       </m:ctrlPr>
                                     </m:sSubPr>
@@ -14222,7 +14218,7 @@
                                   <m:chr m:val="∑"/>
                                   <m:ctrlPr>
                                     <a:rPr lang="el-GR" sz="1600" b="0" i="1" smtClean="0">
-                                      <a:latin typeface="Cambria Math" panose="02040503050406030204" pitchFamily="18" charset="0"/>
+                                      <a:latin typeface="Cambria Math"/>
                                     </a:rPr>
                                   </m:ctrlPr>
                                 </m:naryPr>
@@ -14256,7 +14252,7 @@
                                     <m:sSubSupPr>
                                       <m:ctrlPr>
                                         <a:rPr lang="el-GR" sz="1600" b="0" i="1" smtClean="0">
-                                          <a:latin typeface="Cambria Math" panose="02040503050406030204" pitchFamily="18" charset="0"/>
+                                          <a:latin typeface="Cambria Math"/>
                                         </a:rPr>
                                       </m:ctrlPr>
                                     </m:sSubSupPr>
@@ -14499,7 +14495,7 @@
                       <m:sSubPr>
                         <m:ctrlPr>
                           <a:rPr lang="de-DE" sz="1400" i="1" smtClean="0">
-                            <a:latin typeface="Cambria Math" panose="02040503050406030204" pitchFamily="18" charset="0"/>
+                            <a:latin typeface="Cambria Math"/>
                           </a:rPr>
                         </m:ctrlPr>
                       </m:sSubPr>
@@ -14546,7 +14542,7 @@
                         <m:limLoc m:val="subSup"/>
                         <m:ctrlPr>
                           <a:rPr lang="de-DE" sz="1400" i="1">
-                            <a:latin typeface="Cambria Math" panose="02040503050406030204" pitchFamily="18" charset="0"/>
+                            <a:latin typeface="Cambria Math"/>
                             <a:ea typeface="Cambria Math" panose="02040503050406030204" pitchFamily="18" charset="0"/>
                           </a:rPr>
                         </m:ctrlPr>
@@ -14591,7 +14587,7 @@
                           <m:sSubPr>
                             <m:ctrlPr>
                               <a:rPr lang="de-DE" sz="1400" i="1">
-                                <a:latin typeface="Cambria Math" panose="02040503050406030204" pitchFamily="18" charset="0"/>
+                                <a:latin typeface="Cambria Math"/>
                                 <a:ea typeface="Cambria Math" panose="02040503050406030204" pitchFamily="18" charset="0"/>
                               </a:rPr>
                             </m:ctrlPr>
@@ -14628,7 +14624,7 @@
                       <m:sSubPr>
                         <m:ctrlPr>
                           <a:rPr lang="de-DE" sz="1400" i="1">
-                            <a:latin typeface="Cambria Math" panose="02040503050406030204" pitchFamily="18" charset="0"/>
+                            <a:latin typeface="Cambria Math"/>
                             <a:ea typeface="Cambria Math" panose="02040503050406030204" pitchFamily="18" charset="0"/>
                           </a:rPr>
                         </m:ctrlPr>
@@ -14664,7 +14660,7 @@
                       <m:sSubPr>
                         <m:ctrlPr>
                           <a:rPr lang="de-DE" sz="1400" i="1">
-                            <a:latin typeface="Cambria Math" panose="02040503050406030204" pitchFamily="18" charset="0"/>
+                            <a:latin typeface="Cambria Math"/>
                           </a:rPr>
                         </m:ctrlPr>
                       </m:sSubPr>
@@ -14721,7 +14717,7 @@
                       <m:sSubPr>
                         <m:ctrlPr>
                           <a:rPr lang="de-DE" sz="1400" i="1">
-                            <a:latin typeface="Cambria Math" panose="02040503050406030204" pitchFamily="18" charset="0"/>
+                            <a:latin typeface="Cambria Math"/>
                           </a:rPr>
                         </m:ctrlPr>
                       </m:sSubPr>
@@ -14752,7 +14748,7 @@
                       <m:sSubPr>
                         <m:ctrlPr>
                           <a:rPr lang="de-DE" sz="1400" i="1">
-                            <a:latin typeface="Cambria Math" panose="02040503050406030204" pitchFamily="18" charset="0"/>
+                            <a:latin typeface="Cambria Math"/>
                           </a:rPr>
                         </m:ctrlPr>
                       </m:sSubPr>
@@ -14801,7 +14797,7 @@
                         <m:endChr m:val="}"/>
                         <m:ctrlPr>
                           <a:rPr lang="de-DE" sz="1400" i="1">
-                            <a:latin typeface="Cambria Math" panose="02040503050406030204" pitchFamily="18" charset="0"/>
+                            <a:latin typeface="Cambria Math"/>
                             <a:ea typeface="Cambria Math" panose="02040503050406030204" pitchFamily="18" charset="0"/>
                           </a:rPr>
                         </m:ctrlPr>
@@ -14828,7 +14824,7 @@
                       <m:sSubPr>
                         <m:ctrlPr>
                           <a:rPr lang="de-DE" sz="1400" i="1">
-                            <a:latin typeface="Cambria Math" panose="02040503050406030204" pitchFamily="18" charset="0"/>
+                            <a:latin typeface="Cambria Math"/>
                           </a:rPr>
                         </m:ctrlPr>
                       </m:sSubPr>
@@ -14892,7 +14888,7 @@
                       <m:dPr>
                         <m:ctrlPr>
                           <a:rPr lang="de-DE" sz="1400" i="1">
-                            <a:latin typeface="Cambria Math" panose="02040503050406030204" pitchFamily="18" charset="0"/>
+                            <a:latin typeface="Cambria Math"/>
                             <a:ea typeface="Cambria Math" panose="02040503050406030204" pitchFamily="18" charset="0"/>
                           </a:rPr>
                         </m:ctrlPr>
@@ -14902,7 +14898,7 @@
                           <m:sSubPr>
                             <m:ctrlPr>
                               <a:rPr lang="de-DE" sz="1400" i="1">
-                                <a:latin typeface="Cambria Math" panose="02040503050406030204" pitchFamily="18" charset="0"/>
+                                <a:latin typeface="Cambria Math"/>
                                 <a:ea typeface="Cambria Math" panose="02040503050406030204" pitchFamily="18" charset="0"/>
                               </a:rPr>
                             </m:ctrlPr>
@@ -14937,7 +14933,7 @@
                           <m:sSubPr>
                             <m:ctrlPr>
                               <a:rPr lang="de-DE" sz="1400" i="1">
-                                <a:latin typeface="Cambria Math" panose="02040503050406030204" pitchFamily="18" charset="0"/>
+                                <a:latin typeface="Cambria Math"/>
                                 <a:ea typeface="Cambria Math" panose="02040503050406030204" pitchFamily="18" charset="0"/>
                               </a:rPr>
                             </m:ctrlPr>
@@ -15016,7 +15012,7 @@
                         <m:endChr m:val="}"/>
                         <m:ctrlPr>
                           <a:rPr lang="de-DE" sz="1400" i="1">
-                            <a:latin typeface="Cambria Math" panose="02040503050406030204" pitchFamily="18" charset="0"/>
+                            <a:latin typeface="Cambria Math"/>
                             <a:ea typeface="Cambria Math" panose="02040503050406030204" pitchFamily="18" charset="0"/>
                           </a:rPr>
                         </m:ctrlPr>
@@ -15108,7 +15104,7 @@
                       <m:sSubPr>
                         <m:ctrlPr>
                           <a:rPr lang="de-DE" sz="1600" i="1">
-                            <a:latin typeface="Cambria Math" panose="02040503050406030204" pitchFamily="18" charset="0"/>
+                            <a:latin typeface="Cambria Math"/>
                           </a:rPr>
                         </m:ctrlPr>
                       </m:sSubPr>
@@ -15139,7 +15135,7 @@
                       <m:sSubPr>
                         <m:ctrlPr>
                           <a:rPr lang="de-DE" sz="1600" i="1">
-                            <a:latin typeface="Cambria Math" panose="02040503050406030204" pitchFamily="18" charset="0"/>
+                            <a:latin typeface="Cambria Math"/>
                           </a:rPr>
                         </m:ctrlPr>
                       </m:sSubPr>
@@ -15304,28 +15300,28 @@
                 <a:gridCol w="531042">
                   <a:extLst>
                     <a:ext uri="{9D8B030D-6E8A-4147-A177-3AD203B41FA5}">
-                      <a16:colId xmlns:a16="http://schemas.microsoft.com/office/drawing/2014/main" val="2391109935"/>
+                      <a16:colId xmlns:a16="http://schemas.microsoft.com/office/drawing/2014/main" xmlns="" val="2391109935"/>
                     </a:ext>
                   </a:extLst>
                 </a:gridCol>
                 <a:gridCol w="936698">
                   <a:extLst>
                     <a:ext uri="{9D8B030D-6E8A-4147-A177-3AD203B41FA5}">
-                      <a16:colId xmlns:a16="http://schemas.microsoft.com/office/drawing/2014/main" val="2460715643"/>
+                      <a16:colId xmlns:a16="http://schemas.microsoft.com/office/drawing/2014/main" xmlns="" val="2460715643"/>
                     </a:ext>
                   </a:extLst>
                 </a:gridCol>
                 <a:gridCol w="1172717">
                   <a:extLst>
                     <a:ext uri="{9D8B030D-6E8A-4147-A177-3AD203B41FA5}">
-                      <a16:colId xmlns:a16="http://schemas.microsoft.com/office/drawing/2014/main" val="228496232"/>
+                      <a16:colId xmlns:a16="http://schemas.microsoft.com/office/drawing/2014/main" xmlns="" val="228496232"/>
                     </a:ext>
                   </a:extLst>
                 </a:gridCol>
                 <a:gridCol w="1172717">
                   <a:extLst>
                     <a:ext uri="{9D8B030D-6E8A-4147-A177-3AD203B41FA5}">
-                      <a16:colId xmlns:a16="http://schemas.microsoft.com/office/drawing/2014/main" val="2226557972"/>
+                      <a16:colId xmlns:a16="http://schemas.microsoft.com/office/drawing/2014/main" xmlns="" val="2226557972"/>
                     </a:ext>
                   </a:extLst>
                 </a:gridCol>
@@ -15513,7 +15509,7 @@
                 </a:tc>
                 <a:extLst>
                   <a:ext uri="{0D108BD9-81ED-4DB2-BD59-A6C34878D82A}">
-                    <a16:rowId xmlns:a16="http://schemas.microsoft.com/office/drawing/2014/main" val="1271462052"/>
+                    <a16:rowId xmlns:a16="http://schemas.microsoft.com/office/drawing/2014/main" xmlns="" val="1271462052"/>
                   </a:ext>
                 </a:extLst>
               </a:tr>
@@ -15676,7 +15672,7 @@
                 </a:tc>
                 <a:extLst>
                   <a:ext uri="{0D108BD9-81ED-4DB2-BD59-A6C34878D82A}">
-                    <a16:rowId xmlns:a16="http://schemas.microsoft.com/office/drawing/2014/main" val="1740370028"/>
+                    <a16:rowId xmlns:a16="http://schemas.microsoft.com/office/drawing/2014/main" xmlns="" val="1740370028"/>
                   </a:ext>
                 </a:extLst>
               </a:tr>
@@ -15812,7 +15808,7 @@
                 </a:tc>
                 <a:extLst>
                   <a:ext uri="{0D108BD9-81ED-4DB2-BD59-A6C34878D82A}">
-                    <a16:rowId xmlns:a16="http://schemas.microsoft.com/office/drawing/2014/main" val="1121583660"/>
+                    <a16:rowId xmlns:a16="http://schemas.microsoft.com/office/drawing/2014/main" xmlns="" val="1121583660"/>
                   </a:ext>
                 </a:extLst>
               </a:tr>
@@ -15939,7 +15935,7 @@
                 </a:tc>
                 <a:extLst>
                   <a:ext uri="{0D108BD9-81ED-4DB2-BD59-A6C34878D82A}">
-                    <a16:rowId xmlns:a16="http://schemas.microsoft.com/office/drawing/2014/main" val="1995903978"/>
+                    <a16:rowId xmlns:a16="http://schemas.microsoft.com/office/drawing/2014/main" xmlns="" val="1995903978"/>
                   </a:ext>
                 </a:extLst>
               </a:tr>
@@ -16078,7 +16074,7 @@
                 </a:tc>
                 <a:extLst>
                   <a:ext uri="{0D108BD9-81ED-4DB2-BD59-A6C34878D82A}">
-                    <a16:rowId xmlns:a16="http://schemas.microsoft.com/office/drawing/2014/main" val="2728061755"/>
+                    <a16:rowId xmlns:a16="http://schemas.microsoft.com/office/drawing/2014/main" xmlns="" val="2728061755"/>
                   </a:ext>
                 </a:extLst>
               </a:tr>
@@ -16214,7 +16210,7 @@
                 </a:tc>
                 <a:extLst>
                   <a:ext uri="{0D108BD9-81ED-4DB2-BD59-A6C34878D82A}">
-                    <a16:rowId xmlns:a16="http://schemas.microsoft.com/office/drawing/2014/main" val="2042504045"/>
+                    <a16:rowId xmlns:a16="http://schemas.microsoft.com/office/drawing/2014/main" xmlns="" val="2042504045"/>
                   </a:ext>
                 </a:extLst>
               </a:tr>
@@ -16341,7 +16337,7 @@
                 </a:tc>
                 <a:extLst>
                   <a:ext uri="{0D108BD9-81ED-4DB2-BD59-A6C34878D82A}">
-                    <a16:rowId xmlns:a16="http://schemas.microsoft.com/office/drawing/2014/main" val="2359230810"/>
+                    <a16:rowId xmlns:a16="http://schemas.microsoft.com/office/drawing/2014/main" xmlns="" val="2359230810"/>
                   </a:ext>
                 </a:extLst>
               </a:tr>
@@ -16480,7 +16476,7 @@
                 </a:tc>
                 <a:extLst>
                   <a:ext uri="{0D108BD9-81ED-4DB2-BD59-A6C34878D82A}">
-                    <a16:rowId xmlns:a16="http://schemas.microsoft.com/office/drawing/2014/main" val="331186128"/>
+                    <a16:rowId xmlns:a16="http://schemas.microsoft.com/office/drawing/2014/main" xmlns="" val="331186128"/>
                   </a:ext>
                 </a:extLst>
               </a:tr>
@@ -16616,7 +16612,7 @@
                 </a:tc>
                 <a:extLst>
                   <a:ext uri="{0D108BD9-81ED-4DB2-BD59-A6C34878D82A}">
-                    <a16:rowId xmlns:a16="http://schemas.microsoft.com/office/drawing/2014/main" val="427750952"/>
+                    <a16:rowId xmlns:a16="http://schemas.microsoft.com/office/drawing/2014/main" xmlns="" val="427750952"/>
                   </a:ext>
                 </a:extLst>
               </a:tr>
@@ -16743,7 +16739,7 @@
                 </a:tc>
                 <a:extLst>
                   <a:ext uri="{0D108BD9-81ED-4DB2-BD59-A6C34878D82A}">
-                    <a16:rowId xmlns:a16="http://schemas.microsoft.com/office/drawing/2014/main" val="3603821834"/>
+                    <a16:rowId xmlns:a16="http://schemas.microsoft.com/office/drawing/2014/main" xmlns="" val="3603821834"/>
                   </a:ext>
                 </a:extLst>
               </a:tr>
@@ -16882,7 +16878,7 @@
                 </a:tc>
                 <a:extLst>
                   <a:ext uri="{0D108BD9-81ED-4DB2-BD59-A6C34878D82A}">
-                    <a16:rowId xmlns:a16="http://schemas.microsoft.com/office/drawing/2014/main" val="370535901"/>
+                    <a16:rowId xmlns:a16="http://schemas.microsoft.com/office/drawing/2014/main" xmlns="" val="370535901"/>
                   </a:ext>
                 </a:extLst>
               </a:tr>
@@ -17018,7 +17014,7 @@
                 </a:tc>
                 <a:extLst>
                   <a:ext uri="{0D108BD9-81ED-4DB2-BD59-A6C34878D82A}">
-                    <a16:rowId xmlns:a16="http://schemas.microsoft.com/office/drawing/2014/main" val="432849469"/>
+                    <a16:rowId xmlns:a16="http://schemas.microsoft.com/office/drawing/2014/main" xmlns="" val="432849469"/>
                   </a:ext>
                 </a:extLst>
               </a:tr>
@@ -17145,7 +17141,7 @@
                 </a:tc>
                 <a:extLst>
                   <a:ext uri="{0D108BD9-81ED-4DB2-BD59-A6C34878D82A}">
-                    <a16:rowId xmlns:a16="http://schemas.microsoft.com/office/drawing/2014/main" val="3744816864"/>
+                    <a16:rowId xmlns:a16="http://schemas.microsoft.com/office/drawing/2014/main" xmlns="" val="3744816864"/>
                   </a:ext>
                 </a:extLst>
               </a:tr>
@@ -17284,7 +17280,7 @@
                 </a:tc>
                 <a:extLst>
                   <a:ext uri="{0D108BD9-81ED-4DB2-BD59-A6C34878D82A}">
-                    <a16:rowId xmlns:a16="http://schemas.microsoft.com/office/drawing/2014/main" val="2632950835"/>
+                    <a16:rowId xmlns:a16="http://schemas.microsoft.com/office/drawing/2014/main" xmlns="" val="2632950835"/>
                   </a:ext>
                 </a:extLst>
               </a:tr>
@@ -17447,7 +17443,7 @@
                 </a:tc>
                 <a:extLst>
                   <a:ext uri="{0D108BD9-81ED-4DB2-BD59-A6C34878D82A}">
-                    <a16:rowId xmlns:a16="http://schemas.microsoft.com/office/drawing/2014/main" val="4242330944"/>
+                    <a16:rowId xmlns:a16="http://schemas.microsoft.com/office/drawing/2014/main" xmlns="" val="4242330944"/>
                   </a:ext>
                 </a:extLst>
               </a:tr>
@@ -17995,7 +17991,7 @@
                         <m:funcPr>
                           <m:ctrlPr>
                             <a:rPr lang="de-DE" sz="1600" i="1">
-                              <a:latin typeface="Cambria Math" panose="02040503050406030204" pitchFamily="18" charset="0"/>
+                              <a:latin typeface="Cambria Math"/>
                             </a:rPr>
                           </m:ctrlPr>
                         </m:funcPr>
@@ -18004,7 +18000,7 @@
                             <m:limLowPr>
                               <m:ctrlPr>
                                 <a:rPr lang="de-DE" sz="1600" i="1">
-                                  <a:latin typeface="Cambria Math" panose="02040503050406030204" pitchFamily="18" charset="0"/>
+                                  <a:latin typeface="Cambria Math"/>
                                 </a:rPr>
                               </m:ctrlPr>
                             </m:limLowPr>
@@ -18036,7 +18032,7 @@
                                 <m:sSupPr>
                                   <m:ctrlPr>
                                     <a:rPr lang="de-DE" sz="1600" i="1">
-                                      <a:latin typeface="Cambria Math" panose="02040503050406030204" pitchFamily="18" charset="0"/>
+                                      <a:latin typeface="Cambria Math"/>
                                     </a:rPr>
                                   </m:ctrlPr>
                                 </m:sSupPr>
@@ -18066,7 +18062,7 @@
                               <m:chr m:val="∑"/>
                               <m:ctrlPr>
                                 <a:rPr lang="de-DE" sz="1600" i="1">
-                                  <a:latin typeface="Cambria Math" panose="02040503050406030204" pitchFamily="18" charset="0"/>
+                                  <a:latin typeface="Cambria Math"/>
                                 </a:rPr>
                               </m:ctrlPr>
                             </m:naryPr>
@@ -18100,7 +18096,7 @@
                                 <m:sSupPr>
                                   <m:ctrlPr>
                                     <a:rPr lang="de-DE" sz="1600" i="1">
-                                      <a:latin typeface="Cambria Math" panose="02040503050406030204" pitchFamily="18" charset="0"/>
+                                      <a:latin typeface="Cambria Math"/>
                                     </a:rPr>
                                   </m:ctrlPr>
                                 </m:sSupPr>
@@ -18115,7 +18111,7 @@
                                     <m:sSubPr>
                                       <m:ctrlPr>
                                         <a:rPr lang="de-DE" sz="1600" i="1">
-                                          <a:latin typeface="Cambria Math" panose="02040503050406030204" pitchFamily="18" charset="0"/>
+                                          <a:latin typeface="Cambria Math"/>
                                         </a:rPr>
                                       </m:ctrlPr>
                                     </m:sSubPr>
@@ -18146,7 +18142,7 @@
                                     <m:sSupPr>
                                       <m:ctrlPr>
                                         <a:rPr lang="de-DE" sz="1600" i="1">
-                                          <a:latin typeface="Cambria Math" panose="02040503050406030204" pitchFamily="18" charset="0"/>
+                                          <a:latin typeface="Cambria Math"/>
                                         </a:rPr>
                                       </m:ctrlPr>
                                     </m:sSupPr>
@@ -18171,7 +18167,7 @@
                                     <m:sSubPr>
                                       <m:ctrlPr>
                                         <a:rPr lang="de-DE" sz="1600" i="1">
-                                          <a:latin typeface="Cambria Math" panose="02040503050406030204" pitchFamily="18" charset="0"/>
+                                          <a:latin typeface="Cambria Math"/>
                                         </a:rPr>
                                       </m:ctrlPr>
                                     </m:sSubPr>
@@ -18218,7 +18214,7 @@
                                 <m:sSubPr>
                                   <m:ctrlPr>
                                     <a:rPr lang="de-DE" sz="1600" i="1" smtClean="0">
-                                      <a:latin typeface="Cambria Math" panose="02040503050406030204" pitchFamily="18" charset="0"/>
+                                      <a:latin typeface="Cambria Math"/>
                                     </a:rPr>
                                   </m:ctrlPr>
                                 </m:sSubPr>
@@ -18247,7 +18243,7 @@
                                   <m:chr m:val="∑"/>
                                   <m:ctrlPr>
                                     <a:rPr lang="el-GR" sz="1600" i="1">
-                                      <a:latin typeface="Cambria Math" panose="02040503050406030204" pitchFamily="18" charset="0"/>
+                                      <a:latin typeface="Cambria Math"/>
                                     </a:rPr>
                                   </m:ctrlPr>
                                 </m:naryPr>
@@ -18281,7 +18277,7 @@
                                     <m:sSubPr>
                                       <m:ctrlPr>
                                         <a:rPr lang="de-DE" sz="1600" i="1">
-                                          <a:latin typeface="Cambria Math" panose="02040503050406030204" pitchFamily="18" charset="0"/>
+                                          <a:latin typeface="Cambria Math"/>
                                         </a:rPr>
                                       </m:ctrlPr>
                                     </m:sSubPr>
@@ -18314,7 +18310,7 @@
                                 <m:sSubPr>
                                   <m:ctrlPr>
                                     <a:rPr lang="de-DE" sz="1600" b="0" i="1" smtClean="0">
-                                      <a:latin typeface="Cambria Math" panose="02040503050406030204" pitchFamily="18" charset="0"/>
+                                      <a:latin typeface="Cambria Math"/>
                                     </a:rPr>
                                   </m:ctrlPr>
                                 </m:sSubPr>
@@ -18343,7 +18339,7 @@
                                   <m:chr m:val="∑"/>
                                   <m:ctrlPr>
                                     <a:rPr lang="el-GR" sz="1600" i="1">
-                                      <a:latin typeface="Cambria Math" panose="02040503050406030204" pitchFamily="18" charset="0"/>
+                                      <a:latin typeface="Cambria Math"/>
                                     </a:rPr>
                                   </m:ctrlPr>
                                 </m:naryPr>
@@ -18377,7 +18373,7 @@
                                     <m:sSubSupPr>
                                       <m:ctrlPr>
                                         <a:rPr lang="el-GR" sz="1600" i="1">
-                                          <a:latin typeface="Cambria Math" panose="02040503050406030204" pitchFamily="18" charset="0"/>
+                                          <a:latin typeface="Cambria Math"/>
                                         </a:rPr>
                                       </m:ctrlPr>
                                     </m:sSubSupPr>
@@ -18618,7 +18614,7 @@
                       <m:sSubPr>
                         <m:ctrlPr>
                           <a:rPr lang="de-DE" sz="1400" i="1" smtClean="0">
-                            <a:latin typeface="Cambria Math" panose="02040503050406030204" pitchFamily="18" charset="0"/>
+                            <a:latin typeface="Cambria Math"/>
                           </a:rPr>
                         </m:ctrlPr>
                       </m:sSubPr>
@@ -18665,7 +18661,7 @@
                         <m:limLoc m:val="subSup"/>
                         <m:ctrlPr>
                           <a:rPr lang="de-DE" sz="1400" i="1">
-                            <a:latin typeface="Cambria Math" panose="02040503050406030204" pitchFamily="18" charset="0"/>
+                            <a:latin typeface="Cambria Math"/>
                             <a:ea typeface="Cambria Math" panose="02040503050406030204" pitchFamily="18" charset="0"/>
                           </a:rPr>
                         </m:ctrlPr>
@@ -18731,7 +18727,7 @@
                           <m:sSubPr>
                             <m:ctrlPr>
                               <a:rPr lang="de-DE" sz="1400" i="1">
-                                <a:latin typeface="Cambria Math" panose="02040503050406030204" pitchFamily="18" charset="0"/>
+                                <a:latin typeface="Cambria Math"/>
                                 <a:ea typeface="Cambria Math" panose="02040503050406030204" pitchFamily="18" charset="0"/>
                               </a:rPr>
                             </m:ctrlPr>
@@ -18768,7 +18764,7 @@
                       <m:sSubPr>
                         <m:ctrlPr>
                           <a:rPr lang="de-DE" sz="1400" i="1">
-                            <a:latin typeface="Cambria Math" panose="02040503050406030204" pitchFamily="18" charset="0"/>
+                            <a:latin typeface="Cambria Math"/>
                             <a:ea typeface="Cambria Math" panose="02040503050406030204" pitchFamily="18" charset="0"/>
                           </a:rPr>
                         </m:ctrlPr>
@@ -18804,7 +18800,7 @@
                       <m:sSubPr>
                         <m:ctrlPr>
                           <a:rPr lang="de-DE" sz="1400" i="1">
-                            <a:latin typeface="Cambria Math" panose="02040503050406030204" pitchFamily="18" charset="0"/>
+                            <a:latin typeface="Cambria Math"/>
                           </a:rPr>
                         </m:ctrlPr>
                       </m:sSubPr>
@@ -18861,7 +18857,7 @@
                       <m:sSubPr>
                         <m:ctrlPr>
                           <a:rPr lang="de-DE" sz="1400" i="1">
-                            <a:latin typeface="Cambria Math" panose="02040503050406030204" pitchFamily="18" charset="0"/>
+                            <a:latin typeface="Cambria Math"/>
                           </a:rPr>
                         </m:ctrlPr>
                       </m:sSubPr>
@@ -18892,7 +18888,7 @@
                       <m:sSubPr>
                         <m:ctrlPr>
                           <a:rPr lang="de-DE" sz="1400" i="1">
-                            <a:latin typeface="Cambria Math" panose="02040503050406030204" pitchFamily="18" charset="0"/>
+                            <a:latin typeface="Cambria Math"/>
                           </a:rPr>
                         </m:ctrlPr>
                       </m:sSubPr>
@@ -18941,7 +18937,7 @@
                         <m:endChr m:val="}"/>
                         <m:ctrlPr>
                           <a:rPr lang="de-DE" sz="1400" i="1">
-                            <a:latin typeface="Cambria Math" panose="02040503050406030204" pitchFamily="18" charset="0"/>
+                            <a:latin typeface="Cambria Math"/>
                             <a:ea typeface="Cambria Math" panose="02040503050406030204" pitchFamily="18" charset="0"/>
                           </a:rPr>
                         </m:ctrlPr>
@@ -18968,7 +18964,7 @@
                       <m:sSubPr>
                         <m:ctrlPr>
                           <a:rPr lang="de-DE" sz="1400" i="1">
-                            <a:latin typeface="Cambria Math" panose="02040503050406030204" pitchFamily="18" charset="0"/>
+                            <a:latin typeface="Cambria Math"/>
                           </a:rPr>
                         </m:ctrlPr>
                       </m:sSubPr>
@@ -19032,7 +19028,7 @@
                       <m:dPr>
                         <m:ctrlPr>
                           <a:rPr lang="de-DE" sz="1400" i="1">
-                            <a:latin typeface="Cambria Math" panose="02040503050406030204" pitchFamily="18" charset="0"/>
+                            <a:latin typeface="Cambria Math"/>
                             <a:ea typeface="Cambria Math" panose="02040503050406030204" pitchFamily="18" charset="0"/>
                           </a:rPr>
                         </m:ctrlPr>
@@ -19042,7 +19038,7 @@
                           <m:sSubPr>
                             <m:ctrlPr>
                               <a:rPr lang="de-DE" sz="1400" i="1">
-                                <a:latin typeface="Cambria Math" panose="02040503050406030204" pitchFamily="18" charset="0"/>
+                                <a:latin typeface="Cambria Math"/>
                                 <a:ea typeface="Cambria Math" panose="02040503050406030204" pitchFamily="18" charset="0"/>
                               </a:rPr>
                             </m:ctrlPr>
@@ -19077,7 +19073,7 @@
                           <m:sSubPr>
                             <m:ctrlPr>
                               <a:rPr lang="de-DE" sz="1400" i="1">
-                                <a:latin typeface="Cambria Math" panose="02040503050406030204" pitchFamily="18" charset="0"/>
+                                <a:latin typeface="Cambria Math"/>
                                 <a:ea typeface="Cambria Math" panose="02040503050406030204" pitchFamily="18" charset="0"/>
                               </a:rPr>
                             </m:ctrlPr>
@@ -19163,7 +19159,7 @@
                         <m:endChr m:val="}"/>
                         <m:ctrlPr>
                           <a:rPr lang="de-DE" sz="1400" i="1">
-                            <a:latin typeface="Cambria Math" panose="02040503050406030204" pitchFamily="18" charset="0"/>
+                            <a:latin typeface="Cambria Math"/>
                             <a:ea typeface="Cambria Math" panose="02040503050406030204" pitchFamily="18" charset="0"/>
                           </a:rPr>
                         </m:ctrlPr>
@@ -19255,7 +19251,7 @@
                       <m:sSubPr>
                         <m:ctrlPr>
                           <a:rPr lang="de-DE" sz="1600" i="1">
-                            <a:latin typeface="Cambria Math" panose="02040503050406030204" pitchFamily="18" charset="0"/>
+                            <a:latin typeface="Cambria Math"/>
                           </a:rPr>
                         </m:ctrlPr>
                       </m:sSubPr>
@@ -19286,7 +19282,7 @@
                       <m:sSubPr>
                         <m:ctrlPr>
                           <a:rPr lang="de-DE" sz="1600" i="1">
-                            <a:latin typeface="Cambria Math" panose="02040503050406030204" pitchFamily="18" charset="0"/>
+                            <a:latin typeface="Cambria Math"/>
                           </a:rPr>
                         </m:ctrlPr>
                       </m:sSubPr>
@@ -19451,28 +19447,28 @@
                 <a:gridCol w="531042">
                   <a:extLst>
                     <a:ext uri="{9D8B030D-6E8A-4147-A177-3AD203B41FA5}">
-                      <a16:colId xmlns:a16="http://schemas.microsoft.com/office/drawing/2014/main" val="1704500640"/>
+                      <a16:colId xmlns:a16="http://schemas.microsoft.com/office/drawing/2014/main" xmlns="" val="1704500640"/>
                     </a:ext>
                   </a:extLst>
                 </a:gridCol>
                 <a:gridCol w="936698">
                   <a:extLst>
                     <a:ext uri="{9D8B030D-6E8A-4147-A177-3AD203B41FA5}">
-                      <a16:colId xmlns:a16="http://schemas.microsoft.com/office/drawing/2014/main" val="2978874530"/>
+                      <a16:colId xmlns:a16="http://schemas.microsoft.com/office/drawing/2014/main" xmlns="" val="2978874530"/>
                     </a:ext>
                   </a:extLst>
                 </a:gridCol>
                 <a:gridCol w="1172717">
                   <a:extLst>
                     <a:ext uri="{9D8B030D-6E8A-4147-A177-3AD203B41FA5}">
-                      <a16:colId xmlns:a16="http://schemas.microsoft.com/office/drawing/2014/main" val="4262336259"/>
+                      <a16:colId xmlns:a16="http://schemas.microsoft.com/office/drawing/2014/main" xmlns="" val="4262336259"/>
                     </a:ext>
                   </a:extLst>
                 </a:gridCol>
                 <a:gridCol w="1172717">
                   <a:extLst>
                     <a:ext uri="{9D8B030D-6E8A-4147-A177-3AD203B41FA5}">
-                      <a16:colId xmlns:a16="http://schemas.microsoft.com/office/drawing/2014/main" val="2297083655"/>
+                      <a16:colId xmlns:a16="http://schemas.microsoft.com/office/drawing/2014/main" xmlns="" val="2297083655"/>
                     </a:ext>
                   </a:extLst>
                 </a:gridCol>
@@ -19660,7 +19656,7 @@
                 </a:tc>
                 <a:extLst>
                   <a:ext uri="{0D108BD9-81ED-4DB2-BD59-A6C34878D82A}">
-                    <a16:rowId xmlns:a16="http://schemas.microsoft.com/office/drawing/2014/main" val="3402574126"/>
+                    <a16:rowId xmlns:a16="http://schemas.microsoft.com/office/drawing/2014/main" xmlns="" val="3402574126"/>
                   </a:ext>
                 </a:extLst>
               </a:tr>
@@ -19823,7 +19819,7 @@
                 </a:tc>
                 <a:extLst>
                   <a:ext uri="{0D108BD9-81ED-4DB2-BD59-A6C34878D82A}">
-                    <a16:rowId xmlns:a16="http://schemas.microsoft.com/office/drawing/2014/main" val="3872079714"/>
+                    <a16:rowId xmlns:a16="http://schemas.microsoft.com/office/drawing/2014/main" xmlns="" val="3872079714"/>
                   </a:ext>
                 </a:extLst>
               </a:tr>
@@ -19959,7 +19955,7 @@
                 </a:tc>
                 <a:extLst>
                   <a:ext uri="{0D108BD9-81ED-4DB2-BD59-A6C34878D82A}">
-                    <a16:rowId xmlns:a16="http://schemas.microsoft.com/office/drawing/2014/main" val="2720301024"/>
+                    <a16:rowId xmlns:a16="http://schemas.microsoft.com/office/drawing/2014/main" xmlns="" val="2720301024"/>
                   </a:ext>
                 </a:extLst>
               </a:tr>
@@ -20086,7 +20082,7 @@
                 </a:tc>
                 <a:extLst>
                   <a:ext uri="{0D108BD9-81ED-4DB2-BD59-A6C34878D82A}">
-                    <a16:rowId xmlns:a16="http://schemas.microsoft.com/office/drawing/2014/main" val="3658020997"/>
+                    <a16:rowId xmlns:a16="http://schemas.microsoft.com/office/drawing/2014/main" xmlns="" val="3658020997"/>
                   </a:ext>
                 </a:extLst>
               </a:tr>
@@ -20225,7 +20221,7 @@
                 </a:tc>
                 <a:extLst>
                   <a:ext uri="{0D108BD9-81ED-4DB2-BD59-A6C34878D82A}">
-                    <a16:rowId xmlns:a16="http://schemas.microsoft.com/office/drawing/2014/main" val="2181386080"/>
+                    <a16:rowId xmlns:a16="http://schemas.microsoft.com/office/drawing/2014/main" xmlns="" val="2181386080"/>
                   </a:ext>
                 </a:extLst>
               </a:tr>
@@ -20361,7 +20357,7 @@
                 </a:tc>
                 <a:extLst>
                   <a:ext uri="{0D108BD9-81ED-4DB2-BD59-A6C34878D82A}">
-                    <a16:rowId xmlns:a16="http://schemas.microsoft.com/office/drawing/2014/main" val="3717621522"/>
+                    <a16:rowId xmlns:a16="http://schemas.microsoft.com/office/drawing/2014/main" xmlns="" val="3717621522"/>
                   </a:ext>
                 </a:extLst>
               </a:tr>
@@ -20488,7 +20484,7 @@
                 </a:tc>
                 <a:extLst>
                   <a:ext uri="{0D108BD9-81ED-4DB2-BD59-A6C34878D82A}">
-                    <a16:rowId xmlns:a16="http://schemas.microsoft.com/office/drawing/2014/main" val="4249112973"/>
+                    <a16:rowId xmlns:a16="http://schemas.microsoft.com/office/drawing/2014/main" xmlns="" val="4249112973"/>
                   </a:ext>
                 </a:extLst>
               </a:tr>
@@ -20627,7 +20623,7 @@
                 </a:tc>
                 <a:extLst>
                   <a:ext uri="{0D108BD9-81ED-4DB2-BD59-A6C34878D82A}">
-                    <a16:rowId xmlns:a16="http://schemas.microsoft.com/office/drawing/2014/main" val="3737557967"/>
+                    <a16:rowId xmlns:a16="http://schemas.microsoft.com/office/drawing/2014/main" xmlns="" val="3737557967"/>
                   </a:ext>
                 </a:extLst>
               </a:tr>
@@ -20763,7 +20759,7 @@
                 </a:tc>
                 <a:extLst>
                   <a:ext uri="{0D108BD9-81ED-4DB2-BD59-A6C34878D82A}">
-                    <a16:rowId xmlns:a16="http://schemas.microsoft.com/office/drawing/2014/main" val="1131661225"/>
+                    <a16:rowId xmlns:a16="http://schemas.microsoft.com/office/drawing/2014/main" xmlns="" val="1131661225"/>
                   </a:ext>
                 </a:extLst>
               </a:tr>
@@ -20890,7 +20886,7 @@
                 </a:tc>
                 <a:extLst>
                   <a:ext uri="{0D108BD9-81ED-4DB2-BD59-A6C34878D82A}">
-                    <a16:rowId xmlns:a16="http://schemas.microsoft.com/office/drawing/2014/main" val="2602770825"/>
+                    <a16:rowId xmlns:a16="http://schemas.microsoft.com/office/drawing/2014/main" xmlns="" val="2602770825"/>
                   </a:ext>
                 </a:extLst>
               </a:tr>
@@ -21029,7 +21025,7 @@
                 </a:tc>
                 <a:extLst>
                   <a:ext uri="{0D108BD9-81ED-4DB2-BD59-A6C34878D82A}">
-                    <a16:rowId xmlns:a16="http://schemas.microsoft.com/office/drawing/2014/main" val="916085876"/>
+                    <a16:rowId xmlns:a16="http://schemas.microsoft.com/office/drawing/2014/main" xmlns="" val="916085876"/>
                   </a:ext>
                 </a:extLst>
               </a:tr>
@@ -21165,7 +21161,7 @@
                 </a:tc>
                 <a:extLst>
                   <a:ext uri="{0D108BD9-81ED-4DB2-BD59-A6C34878D82A}">
-                    <a16:rowId xmlns:a16="http://schemas.microsoft.com/office/drawing/2014/main" val="4046527184"/>
+                    <a16:rowId xmlns:a16="http://schemas.microsoft.com/office/drawing/2014/main" xmlns="" val="4046527184"/>
                   </a:ext>
                 </a:extLst>
               </a:tr>
@@ -21292,7 +21288,7 @@
                 </a:tc>
                 <a:extLst>
                   <a:ext uri="{0D108BD9-81ED-4DB2-BD59-A6C34878D82A}">
-                    <a16:rowId xmlns:a16="http://schemas.microsoft.com/office/drawing/2014/main" val="2505899141"/>
+                    <a16:rowId xmlns:a16="http://schemas.microsoft.com/office/drawing/2014/main" xmlns="" val="2505899141"/>
                   </a:ext>
                 </a:extLst>
               </a:tr>
@@ -21431,7 +21427,7 @@
                 </a:tc>
                 <a:extLst>
                   <a:ext uri="{0D108BD9-81ED-4DB2-BD59-A6C34878D82A}">
-                    <a16:rowId xmlns:a16="http://schemas.microsoft.com/office/drawing/2014/main" val="627161991"/>
+                    <a16:rowId xmlns:a16="http://schemas.microsoft.com/office/drawing/2014/main" xmlns="" val="627161991"/>
                   </a:ext>
                 </a:extLst>
               </a:tr>
@@ -21594,7 +21590,7 @@
                 </a:tc>
                 <a:extLst>
                   <a:ext uri="{0D108BD9-81ED-4DB2-BD59-A6C34878D82A}">
-                    <a16:rowId xmlns:a16="http://schemas.microsoft.com/office/drawing/2014/main" val="1574377396"/>
+                    <a16:rowId xmlns:a16="http://schemas.microsoft.com/office/drawing/2014/main" xmlns="" val="1574377396"/>
                   </a:ext>
                 </a:extLst>
               </a:tr>
@@ -24138,7 +24134,7 @@
                         <m:sSubPr>
                           <m:ctrlPr>
                             <a:rPr lang="en-US" sz="1600" b="0" i="1" smtClean="0">
-                              <a:latin typeface="Cambria Math" panose="02040503050406030204" pitchFamily="18" charset="0"/>
+                              <a:latin typeface="Cambria Math"/>
                             </a:rPr>
                           </m:ctrlPr>
                         </m:sSubPr>
@@ -24176,7 +24172,7 @@
                         <m:dPr>
                           <m:ctrlPr>
                             <a:rPr lang="en-US" sz="1600" b="0" i="1" smtClean="0">
-                              <a:latin typeface="Cambria Math" panose="02040503050406030204" pitchFamily="18" charset="0"/>
+                              <a:latin typeface="Cambria Math"/>
                               <a:ea typeface="Cambria Math" panose="02040503050406030204" pitchFamily="18" charset="0"/>
                             </a:rPr>
                           </m:ctrlPr>
@@ -24186,7 +24182,7 @@
                             <m:sSubPr>
                               <m:ctrlPr>
                                 <a:rPr lang="en-US" sz="1600" b="0" i="1" smtClean="0">
-                                  <a:latin typeface="Cambria Math" panose="02040503050406030204" pitchFamily="18" charset="0"/>
+                                  <a:latin typeface="Cambria Math"/>
                                   <a:ea typeface="Cambria Math" panose="02040503050406030204" pitchFamily="18" charset="0"/>
                                 </a:rPr>
                               </m:ctrlPr>
@@ -24228,7 +24224,7 @@
                             <m:sSubSupPr>
                               <m:ctrlPr>
                                 <a:rPr lang="en-US" sz="1600" b="0" i="1" smtClean="0">
-                                  <a:latin typeface="Cambria Math" panose="02040503050406030204" pitchFamily="18" charset="0"/>
+                                  <a:latin typeface="Cambria Math"/>
                                   <a:ea typeface="Cambria Math" panose="02040503050406030204" pitchFamily="18" charset="0"/>
                                 </a:rPr>
                               </m:ctrlPr>
@@ -24328,7 +24324,7 @@
                         <m:dPr>
                           <m:ctrlPr>
                             <a:rPr lang="de-DE" sz="1600" b="0" i="1" smtClean="0">
-                              <a:latin typeface="Cambria Math" panose="02040503050406030204" pitchFamily="18" charset="0"/>
+                              <a:latin typeface="Cambria Math"/>
                               <a:ea typeface="Cambria Math" panose="02040503050406030204" pitchFamily="18" charset="0"/>
                             </a:rPr>
                           </m:ctrlPr>
@@ -24354,7 +24350,7 @@
                         <m:fPr>
                           <m:ctrlPr>
                             <a:rPr lang="de-DE" sz="1600" b="0" i="1" smtClean="0">
-                              <a:latin typeface="Cambria Math" panose="02040503050406030204" pitchFamily="18" charset="0"/>
+                              <a:latin typeface="Cambria Math"/>
                               <a:ea typeface="Cambria Math" panose="02040503050406030204" pitchFamily="18" charset="0"/>
                             </a:rPr>
                           </m:ctrlPr>
@@ -24380,7 +24376,7 @@
                             <m:sSupPr>
                               <m:ctrlPr>
                                 <a:rPr lang="de-DE" sz="1600" b="0" i="1" smtClean="0">
-                                  <a:latin typeface="Cambria Math" panose="02040503050406030204" pitchFamily="18" charset="0"/>
+                                  <a:latin typeface="Cambria Math"/>
                                   <a:ea typeface="Cambria Math" panose="02040503050406030204" pitchFamily="18" charset="0"/>
                                 </a:rPr>
                               </m:ctrlPr>
@@ -24627,7 +24623,7 @@
                           <m:chr m:val="̂"/>
                           <m:ctrlPr>
                             <a:rPr lang="en-US" sz="1600" i="1">
-                              <a:latin typeface="Cambria Math" panose="02040503050406030204" pitchFamily="18" charset="0"/>
+                              <a:latin typeface="Cambria Math"/>
                             </a:rPr>
                           </m:ctrlPr>
                         </m:accPr>
@@ -24644,7 +24640,7 @@
                         <m:dPr>
                           <m:ctrlPr>
                             <a:rPr lang="en-US" sz="1600" i="1">
-                              <a:latin typeface="Cambria Math" panose="02040503050406030204" pitchFamily="18" charset="0"/>
+                              <a:latin typeface="Cambria Math"/>
                             </a:rPr>
                           </m:ctrlPr>
                         </m:dPr>
@@ -24669,7 +24665,7 @@
                           <m:limLoc m:val="subSup"/>
                           <m:ctrlPr>
                             <a:rPr lang="en-US" sz="1600" i="1">
-                              <a:latin typeface="Cambria Math" panose="02040503050406030204" pitchFamily="18" charset="0"/>
+                              <a:latin typeface="Cambria Math"/>
                             </a:rPr>
                           </m:ctrlPr>
                         </m:naryPr>
@@ -24703,7 +24699,7 @@
                             <m:sSubPr>
                               <m:ctrlPr>
                                 <a:rPr lang="en-US" sz="1600" i="1">
-                                  <a:latin typeface="Cambria Math" panose="02040503050406030204" pitchFamily="18" charset="0"/>
+                                  <a:latin typeface="Cambria Math"/>
                                 </a:rPr>
                               </m:ctrlPr>
                             </m:sSubPr>
@@ -24713,7 +24709,7 @@
                                   <m:chr m:val="̂"/>
                                   <m:ctrlPr>
                                     <a:rPr lang="en-US" sz="1600" i="1">
-                                      <a:latin typeface="Cambria Math" panose="02040503050406030204" pitchFamily="18" charset="0"/>
+                                      <a:latin typeface="Cambria Math"/>
                                     </a:rPr>
                                   </m:ctrlPr>
                                 </m:accPr>
@@ -24755,7 +24751,7 @@
                             <m:sSubPr>
                               <m:ctrlPr>
                                 <a:rPr lang="en-US" sz="1600" i="1">
-                                  <a:latin typeface="Cambria Math" panose="02040503050406030204" pitchFamily="18" charset="0"/>
+                                  <a:latin typeface="Cambria Math"/>
                                   <a:ea typeface="Cambria Math" panose="02040503050406030204" pitchFamily="18" charset="0"/>
                                 </a:rPr>
                               </m:ctrlPr>
@@ -24797,7 +24793,7 @@
                             <m:sSubSupPr>
                               <m:ctrlPr>
                                 <a:rPr lang="en-US" sz="1600" i="1">
-                                  <a:latin typeface="Cambria Math" panose="02040503050406030204" pitchFamily="18" charset="0"/>
+                                  <a:latin typeface="Cambria Math"/>
                                   <a:ea typeface="Cambria Math" panose="02040503050406030204" pitchFamily="18" charset="0"/>
                                 </a:rPr>
                               </m:ctrlPr>
@@ -24880,7 +24876,7 @@
                         <m:funcPr>
                           <m:ctrlPr>
                             <a:rPr lang="de-DE" sz="1600" i="1" smtClean="0">
-                              <a:latin typeface="Cambria Math" panose="02040503050406030204" pitchFamily="18" charset="0"/>
+                              <a:latin typeface="Cambria Math"/>
                             </a:rPr>
                           </m:ctrlPr>
                         </m:funcPr>
@@ -24889,7 +24885,7 @@
                             <m:limLowPr>
                               <m:ctrlPr>
                                 <a:rPr lang="de-DE" sz="1600" i="1" smtClean="0">
-                                  <a:latin typeface="Cambria Math" panose="02040503050406030204" pitchFamily="18" charset="0"/>
+                                  <a:latin typeface="Cambria Math"/>
                                 </a:rPr>
                               </m:ctrlPr>
                             </m:limLowPr>
@@ -24911,7 +24907,7 @@
                                   <m:endChr m:val="}"/>
                                   <m:ctrlPr>
                                     <a:rPr lang="de-DE" sz="1600" b="0" i="1" smtClean="0">
-                                      <a:latin typeface="Cambria Math" panose="02040503050406030204" pitchFamily="18" charset="0"/>
+                                      <a:latin typeface="Cambria Math"/>
                                     </a:rPr>
                                   </m:ctrlPr>
                                 </m:dPr>
@@ -24920,7 +24916,7 @@
                                     <m:sSubPr>
                                       <m:ctrlPr>
                                         <a:rPr lang="de-DE" sz="1600" b="0" i="1" smtClean="0">
-                                          <a:latin typeface="Cambria Math" panose="02040503050406030204" pitchFamily="18" charset="0"/>
+                                          <a:latin typeface="Cambria Math"/>
                                         </a:rPr>
                                       </m:ctrlPr>
                                     </m:sSubPr>
@@ -24954,7 +24950,7 @@
                                 <m:sSubPr>
                                   <m:ctrlPr>
                                     <a:rPr lang="de-DE" sz="1600" b="0" i="1" smtClean="0">
-                                      <a:latin typeface="Cambria Math" panose="02040503050406030204" pitchFamily="18" charset="0"/>
+                                      <a:latin typeface="Cambria Math"/>
                                     </a:rPr>
                                   </m:ctrlPr>
                                 </m:sSubPr>
@@ -24992,7 +24988,7 @@
                               <m:supHide m:val="on"/>
                               <m:ctrlPr>
                                 <a:rPr lang="de-DE" sz="1600" i="1" smtClean="0">
-                                  <a:latin typeface="Cambria Math" panose="02040503050406030204" pitchFamily="18" charset="0"/>
+                                  <a:latin typeface="Cambria Math"/>
                                 </a:rPr>
                               </m:ctrlPr>
                             </m:naryPr>
@@ -25013,7 +25009,7 @@
                                 <m:sSupPr>
                                   <m:ctrlPr>
                                     <a:rPr lang="de-DE" sz="1600" i="1" smtClean="0">
-                                      <a:latin typeface="Cambria Math" panose="02040503050406030204" pitchFamily="18" charset="0"/>
+                                      <a:latin typeface="Cambria Math"/>
                                     </a:rPr>
                                   </m:ctrlPr>
                                 </m:sSupPr>
@@ -25028,7 +25024,7 @@
                                     <m:sSubPr>
                                       <m:ctrlPr>
                                         <a:rPr lang="de-DE" sz="1600" i="1">
-                                          <a:latin typeface="Cambria Math" panose="02040503050406030204" pitchFamily="18" charset="0"/>
+                                          <a:latin typeface="Cambria Math"/>
                                         </a:rPr>
                                       </m:ctrlPr>
                                     </m:sSubPr>
@@ -25061,7 +25057,7 @@
                                       <m:limLoc m:val="subSup"/>
                                       <m:ctrlPr>
                                         <a:rPr lang="de-DE" sz="1600" i="1">
-                                          <a:latin typeface="Cambria Math" panose="02040503050406030204" pitchFamily="18" charset="0"/>
+                                          <a:latin typeface="Cambria Math"/>
                                         </a:rPr>
                                       </m:ctrlPr>
                                     </m:naryPr>
@@ -25095,7 +25091,7 @@
                                         <m:sSubPr>
                                           <m:ctrlPr>
                                             <a:rPr lang="de-DE" sz="1600" i="1">
-                                              <a:latin typeface="Cambria Math" panose="02040503050406030204" pitchFamily="18" charset="0"/>
+                                              <a:latin typeface="Cambria Math"/>
                                             </a:rPr>
                                           </m:ctrlPr>
                                         </m:sSubPr>
@@ -25105,7 +25101,7 @@
                                               <m:chr m:val="̂"/>
                                               <m:ctrlPr>
                                                 <a:rPr lang="de-DE" sz="1600" i="1">
-                                                  <a:latin typeface="Cambria Math" panose="02040503050406030204" pitchFamily="18" charset="0"/>
+                                                  <a:latin typeface="Cambria Math"/>
                                                 </a:rPr>
                                               </m:ctrlPr>
                                             </m:accPr>
@@ -25147,7 +25143,7 @@
                                         <m:sSubPr>
                                           <m:ctrlPr>
                                             <a:rPr lang="de-DE" sz="1600" i="1">
-                                              <a:latin typeface="Cambria Math" panose="02040503050406030204" pitchFamily="18" charset="0"/>
+                                              <a:latin typeface="Cambria Math"/>
                                               <a:ea typeface="Cambria Math" panose="02040503050406030204" pitchFamily="18" charset="0"/>
                                             </a:rPr>
                                           </m:ctrlPr>
@@ -25189,7 +25185,7 @@
                                         <m:sSubSupPr>
                                           <m:ctrlPr>
                                             <a:rPr lang="de-DE" sz="1600" i="1">
-                                              <a:latin typeface="Cambria Math" panose="02040503050406030204" pitchFamily="18" charset="0"/>
+                                              <a:latin typeface="Cambria Math"/>
                                               <a:ea typeface="Cambria Math" panose="02040503050406030204" pitchFamily="18" charset="0"/>
                                             </a:rPr>
                                           </m:ctrlPr>
@@ -25279,7 +25275,7 @@
                           <m:supHide m:val="on"/>
                           <m:ctrlPr>
                             <a:rPr lang="de-DE" sz="1600" b="0" i="1" smtClean="0">
-                              <a:latin typeface="Cambria Math" panose="02040503050406030204" pitchFamily="18" charset="0"/>
+                              <a:latin typeface="Cambria Math"/>
                             </a:rPr>
                           </m:ctrlPr>
                         </m:naryPr>
@@ -25302,7 +25298,7 @@
                               <m:supHide m:val="on"/>
                               <m:ctrlPr>
                                 <a:rPr lang="de-DE" sz="1600" b="0" i="1" smtClean="0">
-                                  <a:latin typeface="Cambria Math" panose="02040503050406030204" pitchFamily="18" charset="0"/>
+                                  <a:latin typeface="Cambria Math"/>
                                 </a:rPr>
                               </m:ctrlPr>
                             </m:naryPr>
@@ -25325,7 +25321,7 @@
                                   <m:endChr m:val="|"/>
                                   <m:ctrlPr>
                                     <a:rPr lang="de-DE" sz="1600" b="0" i="1" smtClean="0">
-                                      <a:latin typeface="Cambria Math" panose="02040503050406030204" pitchFamily="18" charset="0"/>
+                                      <a:latin typeface="Cambria Math"/>
                                     </a:rPr>
                                   </m:ctrlPr>
                                 </m:dPr>
@@ -25334,7 +25330,7 @@
                                     <m:sSubPr>
                                       <m:ctrlPr>
                                         <a:rPr lang="de-DE" sz="1600" b="0" i="1" smtClean="0">
-                                          <a:latin typeface="Cambria Math" panose="02040503050406030204" pitchFamily="18" charset="0"/>
+                                          <a:latin typeface="Cambria Math"/>
                                         </a:rPr>
                                       </m:ctrlPr>
                                     </m:sSubPr>
@@ -25372,7 +25368,7 @@
                               <m:supHide m:val="on"/>
                               <m:ctrlPr>
                                 <a:rPr lang="de-DE" sz="1600" b="0" i="1" smtClean="0">
-                                  <a:latin typeface="Cambria Math" panose="02040503050406030204" pitchFamily="18" charset="0"/>
+                                  <a:latin typeface="Cambria Math"/>
                                 </a:rPr>
                               </m:ctrlPr>
                             </m:naryPr>
@@ -25399,7 +25395,7 @@
                                 <m:sSubPr>
                                   <m:ctrlPr>
                                     <a:rPr lang="de-DE" sz="1600" b="0" i="1" smtClean="0">
-                                      <a:latin typeface="Cambria Math" panose="02040503050406030204" pitchFamily="18" charset="0"/>
+                                      <a:latin typeface="Cambria Math"/>
                                     </a:rPr>
                                   </m:ctrlPr>
                                 </m:sSubPr>
@@ -28211,7 +28207,7 @@
                         <m:sSubPr>
                           <m:ctrlPr>
                             <a:rPr lang="de-DE" sz="2000" i="1">
-                              <a:latin typeface="Cambria Math" panose="02040503050406030204" pitchFamily="18" charset="0"/>
+                              <a:latin typeface="Cambria Math"/>
                             </a:rPr>
                           </m:ctrlPr>
                         </m:sSubPr>
@@ -28242,7 +28238,7 @@
                         <m:sSubPr>
                           <m:ctrlPr>
                             <a:rPr lang="de-DE" sz="2000" i="1">
-                              <a:latin typeface="Cambria Math" panose="02040503050406030204" pitchFamily="18" charset="0"/>
+                              <a:latin typeface="Cambria Math"/>
                             </a:rPr>
                           </m:ctrlPr>
                         </m:sSubPr>
@@ -28267,7 +28263,7 @@
                         <m:sSubPr>
                           <m:ctrlPr>
                             <a:rPr lang="de-DE" sz="2000" i="1">
-                              <a:latin typeface="Cambria Math" panose="02040503050406030204" pitchFamily="18" charset="0"/>
+                              <a:latin typeface="Cambria Math"/>
                             </a:rPr>
                           </m:ctrlPr>
                         </m:sSubPr>
@@ -28305,7 +28301,7 @@
                         <m:dPr>
                           <m:ctrlPr>
                             <a:rPr lang="de-DE" sz="2000" i="1">
-                              <a:latin typeface="Cambria Math" panose="02040503050406030204" pitchFamily="18" charset="0"/>
+                              <a:latin typeface="Cambria Math"/>
                             </a:rPr>
                           </m:ctrlPr>
                         </m:dPr>
@@ -28314,7 +28310,7 @@
                             <m:sSubPr>
                               <m:ctrlPr>
                                 <a:rPr lang="de-DE" sz="2000" i="1">
-                                  <a:latin typeface="Cambria Math" panose="02040503050406030204" pitchFamily="18" charset="0"/>
+                                  <a:latin typeface="Cambria Math"/>
                                 </a:rPr>
                               </m:ctrlPr>
                             </m:sSubPr>
@@ -28347,7 +28343,7 @@
                         <m:sSubPr>
                           <m:ctrlPr>
                             <a:rPr lang="de-DE" sz="2000" i="1">
-                              <a:latin typeface="Cambria Math" panose="02040503050406030204" pitchFamily="18" charset="0"/>
+                              <a:latin typeface="Cambria Math"/>
                             </a:rPr>
                           </m:ctrlPr>
                         </m:sSubPr>
@@ -28387,7 +28383,7 @@
                           <m:endChr m:val="]"/>
                           <m:ctrlPr>
                             <a:rPr lang="de-DE" sz="2000" i="1">
-                              <a:latin typeface="Cambria Math" panose="02040503050406030204" pitchFamily="18" charset="0"/>
+                              <a:latin typeface="Cambria Math"/>
                             </a:rPr>
                           </m:ctrlPr>
                         </m:dPr>
@@ -28396,7 +28392,7 @@
                             <m:sSubPr>
                               <m:ctrlPr>
                                 <a:rPr lang="de-DE" sz="2000" i="1">
-                                  <a:latin typeface="Cambria Math" panose="02040503050406030204" pitchFamily="18" charset="0"/>
+                                  <a:latin typeface="Cambria Math"/>
                                 </a:rPr>
                               </m:ctrlPr>
                             </m:sSubPr>
@@ -28424,7 +28420,7 @@
                             <m:sSubPr>
                               <m:ctrlPr>
                                 <a:rPr lang="de-DE" sz="2000" i="1">
-                                  <a:latin typeface="Cambria Math" panose="02040503050406030204" pitchFamily="18" charset="0"/>
+                                  <a:latin typeface="Cambria Math"/>
                                 </a:rPr>
                               </m:ctrlPr>
                             </m:sSubPr>
@@ -28455,7 +28451,7 @@
                             <m:sSubPr>
                               <m:ctrlPr>
                                 <a:rPr lang="de-DE" sz="2000" i="1">
-                                  <a:latin typeface="Cambria Math" panose="02040503050406030204" pitchFamily="18" charset="0"/>
+                                  <a:latin typeface="Cambria Math"/>
                                 </a:rPr>
                               </m:ctrlPr>
                             </m:sSubPr>
@@ -28503,7 +28499,7 @@
                         <m:sSubPr>
                           <m:ctrlPr>
                             <a:rPr lang="de-DE" sz="2000" i="1">
-                              <a:latin typeface="Cambria Math" panose="02040503050406030204" pitchFamily="18" charset="0"/>
+                              <a:latin typeface="Cambria Math"/>
                             </a:rPr>
                           </m:ctrlPr>
                         </m:sSubPr>
@@ -28540,7 +28536,7 @@
                         <m:dPr>
                           <m:ctrlPr>
                             <a:rPr lang="de-DE" sz="2000" i="1">
-                              <a:latin typeface="Cambria Math" panose="02040503050406030204" pitchFamily="18" charset="0"/>
+                              <a:latin typeface="Cambria Math"/>
                             </a:rPr>
                           </m:ctrlPr>
                         </m:dPr>
@@ -28549,7 +28545,7 @@
                             <m:sSubPr>
                               <m:ctrlPr>
                                 <a:rPr lang="de-DE" sz="2000" i="1">
-                                  <a:latin typeface="Cambria Math" panose="02040503050406030204" pitchFamily="18" charset="0"/>
+                                  <a:latin typeface="Cambria Math"/>
                                 </a:rPr>
                               </m:ctrlPr>
                             </m:sSubPr>
@@ -28582,7 +28578,7 @@
                         <m:sSubPr>
                           <m:ctrlPr>
                             <a:rPr lang="de-DE" sz="2000" i="1">
-                              <a:latin typeface="Cambria Math" panose="02040503050406030204" pitchFamily="18" charset="0"/>
+                              <a:latin typeface="Cambria Math"/>
                             </a:rPr>
                           </m:ctrlPr>
                         </m:sSubPr>
@@ -28622,7 +28618,7 @@
                           <m:endChr m:val="]"/>
                           <m:ctrlPr>
                             <a:rPr lang="de-DE" sz="2000" i="1">
-                              <a:latin typeface="Cambria Math" panose="02040503050406030204" pitchFamily="18" charset="0"/>
+                              <a:latin typeface="Cambria Math"/>
                             </a:rPr>
                           </m:ctrlPr>
                         </m:dPr>
@@ -28631,7 +28627,7 @@
                             <m:sSubPr>
                               <m:ctrlPr>
                                 <a:rPr lang="de-DE" sz="2000" i="1">
-                                  <a:latin typeface="Cambria Math" panose="02040503050406030204" pitchFamily="18" charset="0"/>
+                                  <a:latin typeface="Cambria Math"/>
                                 </a:rPr>
                               </m:ctrlPr>
                             </m:sSubPr>
@@ -28659,7 +28655,7 @@
                             <m:sSubPr>
                               <m:ctrlPr>
                                 <a:rPr lang="de-DE" sz="2000" i="1">
-                                  <a:latin typeface="Cambria Math" panose="02040503050406030204" pitchFamily="18" charset="0"/>
+                                  <a:latin typeface="Cambria Math"/>
                                 </a:rPr>
                               </m:ctrlPr>
                             </m:sSubPr>
@@ -29312,7 +29308,7 @@
                         <m:sSubPr>
                           <m:ctrlPr>
                             <a:rPr lang="de-DE" sz="2000" i="1" smtClean="0">
-                              <a:latin typeface="Cambria Math" panose="02040503050406030204" pitchFamily="18" charset="0"/>
+                              <a:latin typeface="Cambria Math"/>
                             </a:rPr>
                           </m:ctrlPr>
                         </m:sSubPr>
@@ -29344,7 +29340,7 @@
                         <m:dPr>
                           <m:ctrlPr>
                             <a:rPr lang="de-DE" sz="2000" b="0" i="1" smtClean="0">
-                              <a:latin typeface="Cambria Math" panose="02040503050406030204" pitchFamily="18" charset="0"/>
+                              <a:latin typeface="Cambria Math"/>
                               <a:ea typeface="Cambria Math" panose="02040503050406030204" pitchFamily="18" charset="0"/>
                             </a:rPr>
                           </m:ctrlPr>
@@ -29368,7 +29364,7 @@
                             <m:sSubPr>
                               <m:ctrlPr>
                                 <a:rPr lang="de-DE" sz="2000" b="0" i="1" smtClean="0">
-                                  <a:latin typeface="Cambria Math" panose="02040503050406030204" pitchFamily="18" charset="0"/>
+                                  <a:latin typeface="Cambria Math"/>
                                   <a:ea typeface="Cambria Math" panose="02040503050406030204" pitchFamily="18" charset="0"/>
                                 </a:rPr>
                               </m:ctrlPr>
@@ -29403,7 +29399,7 @@
                             <m:sSubPr>
                               <m:ctrlPr>
                                 <a:rPr lang="de-DE" sz="2000" b="0" i="1" smtClean="0">
-                                  <a:latin typeface="Cambria Math" panose="02040503050406030204" pitchFamily="18" charset="0"/>
+                                  <a:latin typeface="Cambria Math"/>
                                   <a:ea typeface="Cambria Math" panose="02040503050406030204" pitchFamily="18" charset="0"/>
                                 </a:rPr>
                               </m:ctrlPr>
@@ -29463,7 +29459,7 @@
                       <m:sSubPr>
                         <m:ctrlPr>
                           <a:rPr lang="de-DE" sz="1600" i="1">
-                            <a:latin typeface="Cambria Math" panose="02040503050406030204" pitchFamily="18" charset="0"/>
+                            <a:latin typeface="Cambria Math"/>
                             <a:ea typeface="Cambria Math" panose="02040503050406030204" pitchFamily="18" charset="0"/>
                           </a:rPr>
                         </m:ctrlPr>
@@ -29499,7 +29495,7 @@
                       <m:sSubPr>
                         <m:ctrlPr>
                           <a:rPr lang="de-DE" sz="1600" i="1">
-                            <a:latin typeface="Cambria Math" panose="02040503050406030204" pitchFamily="18" charset="0"/>
+                            <a:latin typeface="Cambria Math"/>
                             <a:ea typeface="Cambria Math" panose="02040503050406030204" pitchFamily="18" charset="0"/>
                           </a:rPr>
                         </m:ctrlPr>
@@ -30557,7 +30553,7 @@
                         <m:sSubPr>
                           <m:ctrlPr>
                             <a:rPr lang="de-DE" sz="2000" i="1">
-                              <a:latin typeface="Cambria Math" panose="02040503050406030204" pitchFamily="18" charset="0"/>
+                              <a:latin typeface="Cambria Math"/>
                             </a:rPr>
                           </m:ctrlPr>
                         </m:sSubPr>
@@ -30589,7 +30585,7 @@
                         <m:sSubPr>
                           <m:ctrlPr>
                             <a:rPr lang="de-DE" sz="2000" i="1" smtClean="0">
-                              <a:latin typeface="Cambria Math" panose="02040503050406030204" pitchFamily="18" charset="0"/>
+                              <a:latin typeface="Cambria Math"/>
                             </a:rPr>
                           </m:ctrlPr>
                         </m:sSubPr>
@@ -30614,7 +30610,7 @@
                         <m:dPr>
                           <m:ctrlPr>
                             <a:rPr lang="de-DE" sz="2000" i="1">
-                              <a:latin typeface="Cambria Math" panose="02040503050406030204" pitchFamily="18" charset="0"/>
+                              <a:latin typeface="Cambria Math"/>
                             </a:rPr>
                           </m:ctrlPr>
                         </m:dPr>
@@ -30657,7 +30653,7 @@
                           <m:endChr m:val="]"/>
                           <m:ctrlPr>
                             <a:rPr lang="de-DE" sz="2000" i="1">
-                              <a:latin typeface="Cambria Math" panose="02040503050406030204" pitchFamily="18" charset="0"/>
+                              <a:latin typeface="Cambria Math"/>
                             </a:rPr>
                           </m:ctrlPr>
                         </m:dPr>
@@ -30727,7 +30723,7 @@
                         <m:sSubPr>
                           <m:ctrlPr>
                             <a:rPr lang="de-DE" sz="2000" i="1" smtClean="0">
-                              <a:latin typeface="Cambria Math" panose="02040503050406030204" pitchFamily="18" charset="0"/>
+                              <a:latin typeface="Cambria Math"/>
                             </a:rPr>
                           </m:ctrlPr>
                         </m:sSubPr>
@@ -30752,7 +30748,7 @@
                         <m:dPr>
                           <m:ctrlPr>
                             <a:rPr lang="de-DE" sz="2000" i="1">
-                              <a:latin typeface="Cambria Math" panose="02040503050406030204" pitchFamily="18" charset="0"/>
+                              <a:latin typeface="Cambria Math"/>
                             </a:rPr>
                           </m:ctrlPr>
                         </m:dPr>
@@ -30795,7 +30791,7 @@
                           <m:endChr m:val="]"/>
                           <m:ctrlPr>
                             <a:rPr lang="de-DE" sz="2000" i="1">
-                              <a:latin typeface="Cambria Math" panose="02040503050406030204" pitchFamily="18" charset="0"/>
+                              <a:latin typeface="Cambria Math"/>
                             </a:rPr>
                           </m:ctrlPr>
                         </m:dPr>
@@ -31021,7 +31017,7 @@
                       <m:sSubPr>
                         <m:ctrlPr>
                           <a:rPr lang="en-US" i="1">
-                            <a:latin typeface="Cambria Math" panose="02040503050406030204" pitchFamily="18" charset="0"/>
+                            <a:latin typeface="Cambria Math"/>
                           </a:rPr>
                         </m:ctrlPr>
                       </m:sSubPr>
@@ -31054,7 +31050,7 @@
                       <m:sSubPr>
                         <m:ctrlPr>
                           <a:rPr lang="en-US" i="1">
-                            <a:latin typeface="Cambria Math" panose="02040503050406030204" pitchFamily="18" charset="0"/>
+                            <a:latin typeface="Cambria Math"/>
                           </a:rPr>
                         </m:ctrlPr>
                       </m:sSubPr>
@@ -31097,7 +31093,7 @@
                       <m:sSubPr>
                         <m:ctrlPr>
                           <a:rPr lang="en-US" i="1">
-                            <a:latin typeface="Cambria Math" panose="02040503050406030204" pitchFamily="18" charset="0"/>
+                            <a:latin typeface="Cambria Math"/>
                           </a:rPr>
                         </m:ctrlPr>
                       </m:sSubPr>
@@ -31107,7 +31103,7 @@
                             <m:chr m:val="̂"/>
                             <m:ctrlPr>
                               <a:rPr lang="en-US" i="1">
-                                <a:latin typeface="Cambria Math" panose="02040503050406030204" pitchFamily="18" charset="0"/>
+                                <a:latin typeface="Cambria Math"/>
                               </a:rPr>
                             </m:ctrlPr>
                           </m:accPr>
@@ -31142,7 +31138,7 @@
                       <m:sSubPr>
                         <m:ctrlPr>
                           <a:rPr lang="en-US" i="1">
-                            <a:latin typeface="Cambria Math" panose="02040503050406030204" pitchFamily="18" charset="0"/>
+                            <a:latin typeface="Cambria Math"/>
                           </a:rPr>
                         </m:ctrlPr>
                       </m:sSubPr>
@@ -31152,7 +31148,7 @@
                             <m:chr m:val="̂"/>
                             <m:ctrlPr>
                               <a:rPr lang="en-US" i="1">
-                                <a:latin typeface="Cambria Math" panose="02040503050406030204" pitchFamily="18" charset="0"/>
+                                <a:latin typeface="Cambria Math"/>
                               </a:rPr>
                             </m:ctrlPr>
                           </m:accPr>
@@ -31187,7 +31183,7 @@
                       <m:sSubPr>
                         <m:ctrlPr>
                           <a:rPr lang="en-US" i="1">
-                            <a:latin typeface="Cambria Math" panose="02040503050406030204" pitchFamily="18" charset="0"/>
+                            <a:latin typeface="Cambria Math"/>
                           </a:rPr>
                         </m:ctrlPr>
                       </m:sSubPr>
@@ -31228,7 +31224,7 @@
                         <m:chr m:val="̂"/>
                         <m:ctrlPr>
                           <a:rPr lang="en-US" i="1">
-                            <a:latin typeface="Cambria Math" panose="02040503050406030204" pitchFamily="18" charset="0"/>
+                            <a:latin typeface="Cambria Math"/>
                           </a:rPr>
                         </m:ctrlPr>
                       </m:accPr>
@@ -31263,7 +31259,7 @@
                       <m:sSubPr>
                         <m:ctrlPr>
                           <a:rPr lang="en-US" i="1">
-                            <a:latin typeface="Cambria Math" panose="02040503050406030204" pitchFamily="18" charset="0"/>
+                            <a:latin typeface="Cambria Math"/>
                           </a:rPr>
                         </m:ctrlPr>
                       </m:sSubPr>
@@ -31273,7 +31269,7 @@
                             <m:chr m:val="̂"/>
                             <m:ctrlPr>
                               <a:rPr lang="en-US" i="1">
-                                <a:latin typeface="Cambria Math" panose="02040503050406030204" pitchFamily="18" charset="0"/>
+                                <a:latin typeface="Cambria Math"/>
                               </a:rPr>
                             </m:ctrlPr>
                           </m:accPr>
@@ -31326,7 +31322,7 @@
                       <m:sSubPr>
                         <m:ctrlPr>
                           <a:rPr lang="en-US" i="1">
-                            <a:latin typeface="Cambria Math" panose="02040503050406030204" pitchFamily="18" charset="0"/>
+                            <a:latin typeface="Cambria Math"/>
                           </a:rPr>
                         </m:ctrlPr>
                       </m:sSubPr>
@@ -31375,7 +31371,7 @@
                         <m:sSubPr>
                           <m:ctrlPr>
                             <a:rPr lang="en-US" sz="2000" i="1" smtClean="0">
-                              <a:latin typeface="Cambria Math" panose="02040503050406030204" pitchFamily="18" charset="0"/>
+                              <a:latin typeface="Cambria Math"/>
                             </a:rPr>
                           </m:ctrlPr>
                         </m:sSubPr>
@@ -31385,7 +31381,7 @@
                               <m:chr m:val="̌"/>
                               <m:ctrlPr>
                                 <a:rPr lang="en-US" sz="2000" i="1" smtClean="0">
-                                  <a:latin typeface="Cambria Math" panose="02040503050406030204" pitchFamily="18" charset="0"/>
+                                  <a:latin typeface="Cambria Math"/>
                                 </a:rPr>
                               </m:ctrlPr>
                             </m:accPr>
@@ -31419,7 +31415,7 @@
                         <m:sSupPr>
                           <m:ctrlPr>
                             <a:rPr lang="en-US" sz="2000" b="0" i="1" smtClean="0">
-                              <a:latin typeface="Cambria Math" panose="02040503050406030204" pitchFamily="18" charset="0"/>
+                              <a:latin typeface="Cambria Math"/>
                             </a:rPr>
                           </m:ctrlPr>
                         </m:sSupPr>
@@ -31434,7 +31430,7 @@
                             <m:fPr>
                               <m:ctrlPr>
                                 <a:rPr lang="en-US" sz="2000" i="1">
-                                  <a:latin typeface="Cambria Math" panose="02040503050406030204" pitchFamily="18" charset="0"/>
+                                  <a:latin typeface="Cambria Math"/>
                                 </a:rPr>
                               </m:ctrlPr>
                             </m:fPr>
@@ -31461,7 +31457,7 @@
                               <m:supHide m:val="on"/>
                               <m:ctrlPr>
                                 <a:rPr lang="en-US" sz="2000" i="1">
-                                  <a:latin typeface="Cambria Math" panose="02040503050406030204" pitchFamily="18" charset="0"/>
+                                  <a:latin typeface="Cambria Math"/>
                                 </a:rPr>
                               </m:ctrlPr>
                             </m:naryPr>
@@ -31486,7 +31482,7 @@
                                 <m:sSubPr>
                                   <m:ctrlPr>
                                     <a:rPr lang="en-US" sz="2000" i="1">
-                                      <a:latin typeface="Cambria Math" panose="02040503050406030204" pitchFamily="18" charset="0"/>
+                                      <a:latin typeface="Cambria Math"/>
                                       <a:ea typeface="Cambria Math" panose="02040503050406030204" pitchFamily="18" charset="0"/>
                                     </a:rPr>
                                   </m:ctrlPr>
@@ -31517,7 +31513,7 @@
                                 <m:sSubPr>
                                   <m:ctrlPr>
                                     <a:rPr lang="en-US" sz="2000" i="1">
-                                      <a:latin typeface="Cambria Math" panose="02040503050406030204" pitchFamily="18" charset="0"/>
+                                      <a:latin typeface="Cambria Math"/>
                                     </a:rPr>
                                   </m:ctrlPr>
                                 </m:sSubPr>
@@ -31527,7 +31523,7 @@
                                       <m:chr m:val="̂"/>
                                       <m:ctrlPr>
                                         <a:rPr lang="en-US" sz="2000" i="1" smtClean="0">
-                                          <a:latin typeface="Cambria Math" panose="02040503050406030204" pitchFamily="18" charset="0"/>
+                                          <a:latin typeface="Cambria Math"/>
                                         </a:rPr>
                                       </m:ctrlPr>
                                     </m:accPr>
@@ -31554,7 +31550,7 @@
                                 <m:sSubPr>
                                   <m:ctrlPr>
                                     <a:rPr lang="en-US" sz="2000" i="1">
-                                      <a:latin typeface="Cambria Math" panose="02040503050406030204" pitchFamily="18" charset="0"/>
+                                      <a:latin typeface="Cambria Math"/>
                                     </a:rPr>
                                   </m:ctrlPr>
                                 </m:sSubPr>
@@ -31597,7 +31593,7 @@
                         <m:fPr>
                           <m:ctrlPr>
                             <a:rPr lang="en-US" sz="2000" b="0" i="1" smtClean="0">
-                              <a:latin typeface="Cambria Math" panose="02040503050406030204" pitchFamily="18" charset="0"/>
+                              <a:latin typeface="Cambria Math"/>
                             </a:rPr>
                           </m:ctrlPr>
                         </m:fPr>
@@ -31624,7 +31620,7 @@
                           <m:supHide m:val="on"/>
                           <m:ctrlPr>
                             <a:rPr lang="en-US" sz="2000" i="1">
-                              <a:latin typeface="Cambria Math" panose="02040503050406030204" pitchFamily="18" charset="0"/>
+                              <a:latin typeface="Cambria Math"/>
                             </a:rPr>
                           </m:ctrlPr>
                         </m:naryPr>
@@ -31649,7 +31645,7 @@
                             <m:sSubPr>
                               <m:ctrlPr>
                                 <a:rPr lang="en-US" sz="2000" i="1">
-                                  <a:latin typeface="Cambria Math" panose="02040503050406030204" pitchFamily="18" charset="0"/>
+                                  <a:latin typeface="Cambria Math"/>
                                   <a:ea typeface="Cambria Math" panose="02040503050406030204" pitchFamily="18" charset="0"/>
                                 </a:rPr>
                               </m:ctrlPr>
@@ -31680,7 +31676,7 @@
                             <m:sSubPr>
                               <m:ctrlPr>
                                 <a:rPr lang="en-US" sz="2000" i="1">
-                                  <a:latin typeface="Cambria Math" panose="02040503050406030204" pitchFamily="18" charset="0"/>
+                                  <a:latin typeface="Cambria Math"/>
                                 </a:rPr>
                               </m:ctrlPr>
                             </m:sSubPr>
@@ -31690,7 +31686,7 @@
                                   <m:chr m:val="̂"/>
                                   <m:ctrlPr>
                                     <a:rPr lang="en-US" sz="2000" i="1" smtClean="0">
-                                      <a:latin typeface="Cambria Math" panose="02040503050406030204" pitchFamily="18" charset="0"/>
+                                      <a:latin typeface="Cambria Math"/>
                                     </a:rPr>
                                   </m:ctrlPr>
                                 </m:accPr>
@@ -31723,7 +31719,7 @@
                             <m:sSubPr>
                               <m:ctrlPr>
                                 <a:rPr lang="en-US" sz="2000" i="1">
-                                  <a:latin typeface="Cambria Math" panose="02040503050406030204" pitchFamily="18" charset="0"/>
+                                  <a:latin typeface="Cambria Math"/>
                                 </a:rPr>
                               </m:ctrlPr>
                             </m:sSubPr>
@@ -31754,7 +31750,7 @@
                             <m:sSubPr>
                               <m:ctrlPr>
                                 <a:rPr lang="en-US" sz="2000" b="0" i="1" smtClean="0">
-                                  <a:latin typeface="Cambria Math" panose="02040503050406030204" pitchFamily="18" charset="0"/>
+                                  <a:latin typeface="Cambria Math"/>
                                 </a:rPr>
                               </m:ctrlPr>
                             </m:sSubPr>
@@ -31764,7 +31760,7 @@
                                   <m:chr m:val="̂"/>
                                   <m:ctrlPr>
                                     <a:rPr lang="en-US" sz="2000" b="0" i="1" smtClean="0">
-                                      <a:latin typeface="Cambria Math" panose="02040503050406030204" pitchFamily="18" charset="0"/>
+                                      <a:latin typeface="Cambria Math"/>
                                     </a:rPr>
                                   </m:ctrlPr>
                                 </m:accPr>
@@ -31797,7 +31793,7 @@
                             <m:sSubPr>
                               <m:ctrlPr>
                                 <a:rPr lang="en-US" sz="2000" b="0" i="1" smtClean="0">
-                                  <a:latin typeface="Cambria Math" panose="02040503050406030204" pitchFamily="18" charset="0"/>
+                                  <a:latin typeface="Cambria Math"/>
                                 </a:rPr>
                               </m:ctrlPr>
                             </m:sSubPr>
@@ -32058,7 +32054,7 @@
                       <m:sSubPr>
                         <m:ctrlPr>
                           <a:rPr lang="de-DE" sz="2000" i="1">
-                            <a:latin typeface="Cambria Math" panose="02040503050406030204" pitchFamily="18" charset="0"/>
+                            <a:latin typeface="Cambria Math"/>
                           </a:rPr>
                         </m:ctrlPr>
                       </m:sSubPr>
@@ -32089,7 +32085,7 @@
                       <m:sSubPr>
                         <m:ctrlPr>
                           <a:rPr lang="de-DE" sz="2000" i="1">
-                            <a:latin typeface="Cambria Math" panose="02040503050406030204" pitchFamily="18" charset="0"/>
+                            <a:latin typeface="Cambria Math"/>
                             <a:ea typeface="Cambria Math" panose="02040503050406030204" pitchFamily="18" charset="0"/>
                           </a:rPr>
                         </m:ctrlPr>
@@ -32124,7 +32120,7 @@
                       <m:sSupPr>
                         <m:ctrlPr>
                           <a:rPr lang="de-DE" sz="2000" i="1">
-                            <a:latin typeface="Cambria Math" panose="02040503050406030204" pitchFamily="18" charset="0"/>
+                            <a:latin typeface="Cambria Math"/>
                           </a:rPr>
                         </m:ctrlPr>
                       </m:sSupPr>
@@ -32141,7 +32137,7 @@
                           <m:sSubPr>
                             <m:ctrlPr>
                               <a:rPr lang="de-DE" sz="2000" i="1">
-                                <a:latin typeface="Cambria Math" panose="02040503050406030204" pitchFamily="18" charset="0"/>
+                                <a:latin typeface="Cambria Math"/>
                                 <a:ea typeface="Cambria Math" panose="02040503050406030204" pitchFamily="18" charset="0"/>
                               </a:rPr>
                             </m:ctrlPr>
@@ -32184,7 +32180,7 @@
                       <m:sSubPr>
                         <m:ctrlPr>
                           <a:rPr lang="de-DE" sz="2000" i="1">
-                            <a:latin typeface="Cambria Math" panose="02040503050406030204" pitchFamily="18" charset="0"/>
+                            <a:latin typeface="Cambria Math"/>
                           </a:rPr>
                         </m:ctrlPr>
                       </m:sSubPr>
@@ -32222,7 +32218,7 @@
                       <m:sSubPr>
                         <m:ctrlPr>
                           <a:rPr lang="de-DE" sz="2000" i="1">
-                            <a:latin typeface="Cambria Math" panose="02040503050406030204" pitchFamily="18" charset="0"/>
+                            <a:latin typeface="Cambria Math"/>
                             <a:ea typeface="Cambria Math" panose="02040503050406030204" pitchFamily="18" charset="0"/>
                           </a:rPr>
                         </m:ctrlPr>
@@ -32263,7 +32259,7 @@
                       <m:sSubPr>
                         <m:ctrlPr>
                           <a:rPr lang="de-DE" sz="2000" i="1">
-                            <a:latin typeface="Cambria Math" panose="02040503050406030204" pitchFamily="18" charset="0"/>
+                            <a:latin typeface="Cambria Math"/>
                           </a:rPr>
                         </m:ctrlPr>
                       </m:sSubPr>
@@ -32294,7 +32290,7 @@
                       <m:sSupPr>
                         <m:ctrlPr>
                           <a:rPr lang="de-DE" sz="2000" i="1">
-                            <a:latin typeface="Cambria Math" panose="02040503050406030204" pitchFamily="18" charset="0"/>
+                            <a:latin typeface="Cambria Math"/>
                           </a:rPr>
                         </m:ctrlPr>
                       </m:sSupPr>
@@ -32311,7 +32307,7 @@
                           <m:sSubPr>
                             <m:ctrlPr>
                               <a:rPr lang="de-DE" sz="2000" i="1">
-                                <a:latin typeface="Cambria Math" panose="02040503050406030204" pitchFamily="18" charset="0"/>
+                                <a:latin typeface="Cambria Math"/>
                                 <a:ea typeface="Cambria Math" panose="02040503050406030204" pitchFamily="18" charset="0"/>
                               </a:rPr>
                             </m:ctrlPr>
@@ -32355,7 +32351,7 @@
                       <m:sSubPr>
                         <m:ctrlPr>
                           <a:rPr lang="de-DE" sz="2000" i="1">
-                            <a:latin typeface="Cambria Math" panose="02040503050406030204" pitchFamily="18" charset="0"/>
+                            <a:latin typeface="Cambria Math"/>
                             <a:ea typeface="Cambria Math" panose="02040503050406030204" pitchFamily="18" charset="0"/>
                           </a:rPr>
                         </m:ctrlPr>
@@ -32396,7 +32392,7 @@
                       <m:sSubPr>
                         <m:ctrlPr>
                           <a:rPr lang="de-DE" sz="2000" i="1">
-                            <a:latin typeface="Cambria Math" panose="02040503050406030204" pitchFamily="18" charset="0"/>
+                            <a:latin typeface="Cambria Math"/>
                           </a:rPr>
                         </m:ctrlPr>
                       </m:sSubPr>
@@ -32427,7 +32423,7 @@
                       <m:sSubPr>
                         <m:ctrlPr>
                           <a:rPr lang="de-DE" sz="2000" i="1">
-                            <a:latin typeface="Cambria Math" panose="02040503050406030204" pitchFamily="18" charset="0"/>
+                            <a:latin typeface="Cambria Math"/>
                           </a:rPr>
                         </m:ctrlPr>
                       </m:sSubPr>
@@ -32476,7 +32472,7 @@
                         <m:endChr m:val="}"/>
                         <m:ctrlPr>
                           <a:rPr lang="de-DE" sz="2000" i="1">
-                            <a:latin typeface="Cambria Math" panose="02040503050406030204" pitchFamily="18" charset="0"/>
+                            <a:latin typeface="Cambria Math"/>
                             <a:ea typeface="Cambria Math" panose="02040503050406030204" pitchFamily="18" charset="0"/>
                           </a:rPr>
                         </m:ctrlPr>
@@ -32512,7 +32508,7 @@
                       <m:sSubPr>
                         <m:ctrlPr>
                           <a:rPr lang="de-DE" sz="2000" i="1">
-                            <a:latin typeface="Cambria Math" panose="02040503050406030204" pitchFamily="18" charset="0"/>
+                            <a:latin typeface="Cambria Math"/>
                           </a:rPr>
                         </m:ctrlPr>
                       </m:sSubPr>
@@ -32544,7 +32540,7 @@
                       <m:sSubPr>
                         <m:ctrlPr>
                           <a:rPr lang="de-DE" sz="2000" i="1">
-                            <a:latin typeface="Cambria Math" panose="02040503050406030204" pitchFamily="18" charset="0"/>
+                            <a:latin typeface="Cambria Math"/>
                           </a:rPr>
                         </m:ctrlPr>
                       </m:sSubPr>
@@ -32576,7 +32572,7 @@
                       <m:sSubPr>
                         <m:ctrlPr>
                           <a:rPr lang="de-DE" sz="2000" i="1">
-                            <a:latin typeface="Cambria Math" panose="02040503050406030204" pitchFamily="18" charset="0"/>
+                            <a:latin typeface="Cambria Math"/>
                           </a:rPr>
                         </m:ctrlPr>
                       </m:sSubPr>
@@ -32677,7 +32673,7 @@
                         <m:sSubPr>
                           <m:ctrlPr>
                             <a:rPr lang="de-DE" sz="2000" i="1">
-                              <a:latin typeface="Cambria Math" panose="02040503050406030204" pitchFamily="18" charset="0"/>
+                              <a:latin typeface="Cambria Math"/>
                             </a:rPr>
                           </m:ctrlPr>
                         </m:sSubPr>
@@ -32708,7 +32704,7 @@
                         <m:sSubPr>
                           <m:ctrlPr>
                             <a:rPr lang="de-DE" sz="2000" i="1">
-                              <a:latin typeface="Cambria Math" panose="02040503050406030204" pitchFamily="18" charset="0"/>
+                              <a:latin typeface="Cambria Math"/>
                             </a:rPr>
                           </m:ctrlPr>
                         </m:sSubPr>
@@ -32848,7 +32844,7 @@
                         <m:sSubPr>
                           <m:ctrlPr>
                             <a:rPr lang="de-DE" sz="2000" i="1">
-                              <a:latin typeface="Cambria Math" panose="02040503050406030204" pitchFamily="18" charset="0"/>
+                              <a:latin typeface="Cambria Math"/>
                             </a:rPr>
                           </m:ctrlPr>
                         </m:sSubPr>
@@ -32880,7 +32876,7 @@
                           <m:chr m:val="̂"/>
                           <m:ctrlPr>
                             <a:rPr lang="de-DE" sz="2000" b="1" i="1">
-                              <a:latin typeface="Cambria Math" panose="02040503050406030204" pitchFamily="18" charset="0"/>
+                              <a:latin typeface="Cambria Math"/>
                             </a:rPr>
                           </m:ctrlPr>
                         </m:accPr>
@@ -32898,7 +32894,7 @@
                         <m:sSubPr>
                           <m:ctrlPr>
                             <a:rPr lang="de-DE" sz="2000" i="1">
-                              <a:latin typeface="Cambria Math" panose="02040503050406030204" pitchFamily="18" charset="0"/>
+                              <a:latin typeface="Cambria Math"/>
                               <a:ea typeface="Cambria Math" panose="02040503050406030204" pitchFamily="18" charset="0"/>
                             </a:rPr>
                           </m:ctrlPr>
@@ -32933,7 +32929,7 @@
                         <m:sSubPr>
                           <m:ctrlPr>
                             <a:rPr lang="de-DE" sz="2000" i="1">
-                              <a:latin typeface="Cambria Math" panose="02040503050406030204" pitchFamily="18" charset="0"/>
+                              <a:latin typeface="Cambria Math"/>
                             </a:rPr>
                           </m:ctrlPr>
                         </m:sSubPr>
@@ -32943,7 +32939,7 @@
                               <m:chr m:val="̂"/>
                               <m:ctrlPr>
                                 <a:rPr lang="de-DE" sz="2000" i="1">
-                                  <a:latin typeface="Cambria Math" panose="02040503050406030204" pitchFamily="18" charset="0"/>
+                                  <a:latin typeface="Cambria Math"/>
                                 </a:rPr>
                               </m:ctrlPr>
                             </m:accPr>
@@ -32971,7 +32967,7 @@
                         <m:sSubPr>
                           <m:ctrlPr>
                             <a:rPr lang="de-DE" sz="2000" i="1">
-                              <a:latin typeface="Cambria Math" panose="02040503050406030204" pitchFamily="18" charset="0"/>
+                              <a:latin typeface="Cambria Math"/>
                               <a:ea typeface="Cambria Math" panose="02040503050406030204" pitchFamily="18" charset="0"/>
                             </a:rPr>
                           </m:ctrlPr>
@@ -33005,7 +33001,7 @@
                         <m:sSubPr>
                           <m:ctrlPr>
                             <a:rPr lang="de-DE" sz="2000" i="1">
-                              <a:latin typeface="Cambria Math" panose="02040503050406030204" pitchFamily="18" charset="0"/>
+                              <a:latin typeface="Cambria Math"/>
                             </a:rPr>
                           </m:ctrlPr>
                         </m:sSubPr>
@@ -33015,7 +33011,7 @@
                               <m:chr m:val="̂"/>
                               <m:ctrlPr>
                                 <a:rPr lang="de-DE" sz="2000" i="1">
-                                  <a:latin typeface="Cambria Math" panose="02040503050406030204" pitchFamily="18" charset="0"/>
+                                  <a:latin typeface="Cambria Math"/>
                                 </a:rPr>
                               </m:ctrlPr>
                             </m:accPr>
@@ -33043,7 +33039,7 @@
                         <m:sSubPr>
                           <m:ctrlPr>
                             <a:rPr lang="de-DE" sz="2000" i="1">
-                              <a:latin typeface="Cambria Math" panose="02040503050406030204" pitchFamily="18" charset="0"/>
+                              <a:latin typeface="Cambria Math"/>
                             </a:rPr>
                           </m:ctrlPr>
                         </m:sSubPr>
@@ -33075,7 +33071,7 @@
                         <m:sSubPr>
                           <m:ctrlPr>
                             <a:rPr lang="de-DE" sz="2000" i="1">
-                              <a:latin typeface="Cambria Math" panose="02040503050406030204" pitchFamily="18" charset="0"/>
+                              <a:latin typeface="Cambria Math"/>
                               <a:ea typeface="Cambria Math" panose="02040503050406030204" pitchFamily="18" charset="0"/>
                             </a:rPr>
                           </m:ctrlPr>
@@ -33137,7 +33133,7 @@
                       <m:sSubPr>
                         <m:ctrlPr>
                           <a:rPr lang="de-DE" sz="2000" i="1">
-                            <a:latin typeface="Cambria Math" panose="02040503050406030204" pitchFamily="18" charset="0"/>
+                            <a:latin typeface="Cambria Math"/>
                           </a:rPr>
                         </m:ctrlPr>
                       </m:sSubPr>
@@ -33170,7 +33166,7 @@
                         <m:limLoc m:val="subSup"/>
                         <m:ctrlPr>
                           <a:rPr lang="de-DE" sz="2000" i="1">
-                            <a:latin typeface="Cambria Math" panose="02040503050406030204" pitchFamily="18" charset="0"/>
+                            <a:latin typeface="Cambria Math"/>
                             <a:ea typeface="Cambria Math" panose="02040503050406030204" pitchFamily="18" charset="0"/>
                           </a:rPr>
                         </m:ctrlPr>
@@ -33215,7 +33211,7 @@
                           <m:sSubPr>
                             <m:ctrlPr>
                               <a:rPr lang="de-DE" sz="2000" i="1">
-                                <a:latin typeface="Cambria Math" panose="02040503050406030204" pitchFamily="18" charset="0"/>
+                                <a:latin typeface="Cambria Math"/>
                                 <a:ea typeface="Cambria Math" panose="02040503050406030204" pitchFamily="18" charset="0"/>
                               </a:rPr>
                             </m:ctrlPr>
@@ -33243,7 +33239,7 @@
                           <m:sSubSupPr>
                             <m:ctrlPr>
                               <a:rPr lang="de-DE" sz="2000" i="1">
-                                <a:latin typeface="Cambria Math" panose="02040503050406030204" pitchFamily="18" charset="0"/>
+                                <a:latin typeface="Cambria Math"/>
                                 <a:ea typeface="Cambria Math" panose="02040503050406030204" pitchFamily="18" charset="0"/>
                               </a:rPr>
                             </m:ctrlPr>
@@ -33289,7 +33285,7 @@
                       <m:sSubPr>
                         <m:ctrlPr>
                           <a:rPr lang="de-DE" sz="2000" i="1">
-                            <a:latin typeface="Cambria Math" panose="02040503050406030204" pitchFamily="18" charset="0"/>
+                            <a:latin typeface="Cambria Math"/>
                             <a:ea typeface="Cambria Math" panose="02040503050406030204" pitchFamily="18" charset="0"/>
                           </a:rPr>
                         </m:ctrlPr>
@@ -33324,7 +33320,7 @@
                       <m:sSubSupPr>
                         <m:ctrlPr>
                           <a:rPr lang="de-DE" sz="2000" i="1">
-                            <a:latin typeface="Cambria Math" panose="02040503050406030204" pitchFamily="18" charset="0"/>
+                            <a:latin typeface="Cambria Math"/>
                             <a:ea typeface="Cambria Math" panose="02040503050406030204" pitchFamily="18" charset="0"/>
                           </a:rPr>
                         </m:ctrlPr>
@@ -33368,7 +33364,7 @@
                       <m:sSubPr>
                         <m:ctrlPr>
                           <a:rPr lang="de-DE" sz="2000" b="1" i="1">
-                            <a:latin typeface="Cambria Math" panose="02040503050406030204" pitchFamily="18" charset="0"/>
+                            <a:latin typeface="Cambria Math"/>
                             <a:ea typeface="Cambria Math" panose="02040503050406030204" pitchFamily="18" charset="0"/>
                           </a:rPr>
                         </m:ctrlPr>
@@ -33379,7 +33375,7 @@
                             <m:chr m:val="̂"/>
                             <m:ctrlPr>
                               <a:rPr lang="de-DE" sz="2000" b="1" i="1">
-                                <a:latin typeface="Cambria Math" panose="02040503050406030204" pitchFamily="18" charset="0"/>
+                                <a:latin typeface="Cambria Math"/>
                                 <a:ea typeface="Cambria Math" panose="02040503050406030204" pitchFamily="18" charset="0"/>
                               </a:rPr>
                             </m:ctrlPr>
@@ -33426,7 +33422,7 @@
                       <m:sSubPr>
                         <m:ctrlPr>
                           <a:rPr lang="de-DE" sz="2000" i="1">
-                            <a:latin typeface="Cambria Math" panose="02040503050406030204" pitchFamily="18" charset="0"/>
+                            <a:latin typeface="Cambria Math"/>
                           </a:rPr>
                         </m:ctrlPr>
                       </m:sSubPr>
@@ -33459,7 +33455,7 @@
                         <m:limLoc m:val="subSup"/>
                         <m:ctrlPr>
                           <a:rPr lang="de-DE" sz="2000" i="1">
-                            <a:latin typeface="Cambria Math" panose="02040503050406030204" pitchFamily="18" charset="0"/>
+                            <a:latin typeface="Cambria Math"/>
                             <a:ea typeface="Cambria Math" panose="02040503050406030204" pitchFamily="18" charset="0"/>
                           </a:rPr>
                         </m:ctrlPr>
@@ -33504,7 +33500,7 @@
                           <m:sSubPr>
                             <m:ctrlPr>
                               <a:rPr lang="de-DE" sz="2000" i="1">
-                                <a:latin typeface="Cambria Math" panose="02040503050406030204" pitchFamily="18" charset="0"/>
+                                <a:latin typeface="Cambria Math"/>
                                 <a:ea typeface="Cambria Math" panose="02040503050406030204" pitchFamily="18" charset="0"/>
                               </a:rPr>
                             </m:ctrlPr>
@@ -33532,7 +33528,7 @@
                           <m:sSubSupPr>
                             <m:ctrlPr>
                               <a:rPr lang="de-DE" sz="2000" i="1">
-                                <a:latin typeface="Cambria Math" panose="02040503050406030204" pitchFamily="18" charset="0"/>
+                                <a:latin typeface="Cambria Math"/>
                                 <a:ea typeface="Cambria Math" panose="02040503050406030204" pitchFamily="18" charset="0"/>
                               </a:rPr>
                             </m:ctrlPr>
@@ -33578,7 +33574,7 @@
                       <m:sSubPr>
                         <m:ctrlPr>
                           <a:rPr lang="de-DE" sz="2000" i="1">
-                            <a:latin typeface="Cambria Math" panose="02040503050406030204" pitchFamily="18" charset="0"/>
+                            <a:latin typeface="Cambria Math"/>
                             <a:ea typeface="Cambria Math" panose="02040503050406030204" pitchFamily="18" charset="0"/>
                           </a:rPr>
                         </m:ctrlPr>
@@ -33613,7 +33609,7 @@
                       <m:sSubSupPr>
                         <m:ctrlPr>
                           <a:rPr lang="de-DE" sz="2000" i="1">
-                            <a:latin typeface="Cambria Math" panose="02040503050406030204" pitchFamily="18" charset="0"/>
+                            <a:latin typeface="Cambria Math"/>
                             <a:ea typeface="Cambria Math" panose="02040503050406030204" pitchFamily="18" charset="0"/>
                           </a:rPr>
                         </m:ctrlPr>
@@ -33657,7 +33653,7 @@
                       <m:sSubPr>
                         <m:ctrlPr>
                           <a:rPr lang="de-DE" sz="2000" b="1" i="1">
-                            <a:latin typeface="Cambria Math" panose="02040503050406030204" pitchFamily="18" charset="0"/>
+                            <a:latin typeface="Cambria Math"/>
                             <a:ea typeface="Cambria Math" panose="02040503050406030204" pitchFamily="18" charset="0"/>
                           </a:rPr>
                         </m:ctrlPr>
@@ -33668,7 +33664,7 @@
                             <m:chr m:val="̂"/>
                             <m:ctrlPr>
                               <a:rPr lang="de-DE" sz="2000" b="1" i="1">
-                                <a:latin typeface="Cambria Math" panose="02040503050406030204" pitchFamily="18" charset="0"/>
+                                <a:latin typeface="Cambria Math"/>
                                 <a:ea typeface="Cambria Math" panose="02040503050406030204" pitchFamily="18" charset="0"/>
                               </a:rPr>
                             </m:ctrlPr>
@@ -33723,7 +33719,7 @@
                       <m:sSubPr>
                         <m:ctrlPr>
                           <a:rPr lang="de-DE" sz="2000" i="1">
-                            <a:latin typeface="Cambria Math" panose="02040503050406030204" pitchFamily="18" charset="0"/>
+                            <a:latin typeface="Cambria Math"/>
                             <a:ea typeface="Cambria Math" panose="02040503050406030204" pitchFamily="18" charset="0"/>
                           </a:rPr>
                         </m:ctrlPr>
@@ -33734,7 +33730,7 @@
                             <m:chr m:val="̂"/>
                             <m:ctrlPr>
                               <a:rPr lang="de-DE" sz="2000" i="1">
-                                <a:latin typeface="Cambria Math" panose="02040503050406030204" pitchFamily="18" charset="0"/>
+                                <a:latin typeface="Cambria Math"/>
                                 <a:ea typeface="Cambria Math" panose="02040503050406030204" pitchFamily="18" charset="0"/>
                               </a:rPr>
                             </m:ctrlPr>
@@ -33772,7 +33768,7 @@
                         <m:chr m:val="̂"/>
                         <m:ctrlPr>
                           <a:rPr lang="de-DE" sz="2000" b="1" i="1">
-                            <a:latin typeface="Cambria Math" panose="02040503050406030204" pitchFamily="18" charset="0"/>
+                            <a:latin typeface="Cambria Math"/>
                           </a:rPr>
                         </m:ctrlPr>
                       </m:accPr>
@@ -33790,7 +33786,7 @@
                       <m:sSubPr>
                         <m:ctrlPr>
                           <a:rPr lang="de-DE" sz="2000" i="1">
-                            <a:latin typeface="Cambria Math" panose="02040503050406030204" pitchFamily="18" charset="0"/>
+                            <a:latin typeface="Cambria Math"/>
                             <a:ea typeface="Cambria Math" panose="02040503050406030204" pitchFamily="18" charset="0"/>
                           </a:rPr>
                         </m:ctrlPr>
@@ -33801,7 +33797,7 @@
                             <m:chr m:val="̂"/>
                             <m:ctrlPr>
                               <a:rPr lang="de-DE" sz="2000" i="1">
-                                <a:latin typeface="Cambria Math" panose="02040503050406030204" pitchFamily="18" charset="0"/>
+                                <a:latin typeface="Cambria Math"/>
                                 <a:ea typeface="Cambria Math" panose="02040503050406030204" pitchFamily="18" charset="0"/>
                               </a:rPr>
                             </m:ctrlPr>
@@ -33838,7 +33834,7 @@
                       <m:sSubPr>
                         <m:ctrlPr>
                           <a:rPr lang="de-DE" sz="2000" b="0" i="1" smtClean="0">
-                            <a:latin typeface="Cambria Math" panose="02040503050406030204" pitchFamily="18" charset="0"/>
+                            <a:latin typeface="Cambria Math"/>
                             <a:ea typeface="Cambria Math" panose="02040503050406030204" pitchFamily="18" charset="0"/>
                           </a:rPr>
                         </m:ctrlPr>
@@ -34737,7 +34733,7 @@
                         <m:funcPr>
                           <m:ctrlPr>
                             <a:rPr lang="de-DE" sz="1600" i="1">
-                              <a:latin typeface="Cambria Math" panose="02040503050406030204" pitchFamily="18" charset="0"/>
+                              <a:latin typeface="Cambria Math"/>
                             </a:rPr>
                           </m:ctrlPr>
                         </m:funcPr>
@@ -34746,7 +34742,7 @@
                             <m:limLowPr>
                               <m:ctrlPr>
                                 <a:rPr lang="de-DE" sz="1600" i="1">
-                                  <a:latin typeface="Cambria Math" panose="02040503050406030204" pitchFamily="18" charset="0"/>
+                                  <a:latin typeface="Cambria Math"/>
                                 </a:rPr>
                               </m:ctrlPr>
                             </m:limLowPr>
@@ -34766,7 +34762,7 @@
                                 <m:sSubPr>
                                   <m:ctrlPr>
                                     <a:rPr lang="de-DE" sz="1600" i="1" smtClean="0">
-                                      <a:latin typeface="Cambria Math" panose="02040503050406030204" pitchFamily="18" charset="0"/>
+                                      <a:latin typeface="Cambria Math"/>
                                     </a:rPr>
                                   </m:ctrlPr>
                                 </m:sSubPr>
@@ -34837,7 +34833,7 @@
                                 <m:sSupPr>
                                   <m:ctrlPr>
                                     <a:rPr lang="de-DE" sz="1600" i="1">
-                                      <a:latin typeface="Cambria Math" panose="02040503050406030204" pitchFamily="18" charset="0"/>
+                                      <a:latin typeface="Cambria Math"/>
                                     </a:rPr>
                                   </m:ctrlPr>
                                 </m:sSupPr>
@@ -34867,7 +34863,7 @@
                               <m:chr m:val="∑"/>
                               <m:ctrlPr>
                                 <a:rPr lang="de-DE" sz="1600" i="1">
-                                  <a:latin typeface="Cambria Math" panose="02040503050406030204" pitchFamily="18" charset="0"/>
+                                  <a:latin typeface="Cambria Math"/>
                                 </a:rPr>
                               </m:ctrlPr>
                             </m:naryPr>
@@ -34901,7 +34897,7 @@
                                 <m:sSupPr>
                                   <m:ctrlPr>
                                     <a:rPr lang="de-DE" sz="1600" i="1">
-                                      <a:latin typeface="Cambria Math" panose="02040503050406030204" pitchFamily="18" charset="0"/>
+                                      <a:latin typeface="Cambria Math"/>
                                     </a:rPr>
                                   </m:ctrlPr>
                                 </m:sSupPr>
@@ -34916,7 +34912,7 @@
                                     <m:sSubPr>
                                       <m:ctrlPr>
                                         <a:rPr lang="de-DE" sz="1600" i="1">
-                                          <a:latin typeface="Cambria Math" panose="02040503050406030204" pitchFamily="18" charset="0"/>
+                                          <a:latin typeface="Cambria Math"/>
                                         </a:rPr>
                                       </m:ctrlPr>
                                     </m:sSubPr>
@@ -34947,7 +34943,7 @@
                                     <m:sSubPr>
                                       <m:ctrlPr>
                                         <a:rPr lang="de-DE" sz="1600" i="1" smtClean="0">
-                                          <a:latin typeface="Cambria Math" panose="02040503050406030204" pitchFamily="18" charset="0"/>
+                                          <a:latin typeface="Cambria Math"/>
                                         </a:rPr>
                                       </m:ctrlPr>
                                     </m:sSubPr>
@@ -34973,7 +34969,7 @@
                                     <m:sSubPr>
                                       <m:ctrlPr>
                                         <a:rPr lang="de-DE" sz="1600" i="1">
-                                          <a:latin typeface="Cambria Math" panose="02040503050406030204" pitchFamily="18" charset="0"/>
+                                          <a:latin typeface="Cambria Math"/>
                                         </a:rPr>
                                       </m:ctrlPr>
                                     </m:sSubPr>
@@ -35004,7 +35000,7 @@
                                     <m:sSupPr>
                                       <m:ctrlPr>
                                         <a:rPr lang="de-DE" sz="1600" b="0" i="1" smtClean="0">
-                                          <a:latin typeface="Cambria Math" panose="02040503050406030204" pitchFamily="18" charset="0"/>
+                                          <a:latin typeface="Cambria Math"/>
                                           <a:ea typeface="Cambria Math" panose="02040503050406030204" pitchFamily="18" charset="0"/>
                                         </a:rPr>
                                       </m:ctrlPr>
@@ -35039,7 +35035,7 @@
                                     <m:sSubPr>
                                       <m:ctrlPr>
                                         <a:rPr lang="de-DE" sz="1600" i="1">
-                                          <a:latin typeface="Cambria Math" panose="02040503050406030204" pitchFamily="18" charset="0"/>
+                                          <a:latin typeface="Cambria Math"/>
                                           <a:ea typeface="Cambria Math" panose="02040503050406030204" pitchFamily="18" charset="0"/>
                                         </a:rPr>
                                       </m:ctrlPr>
@@ -35081,7 +35077,7 @@
                                     <m:sSubPr>
                                       <m:ctrlPr>
                                         <a:rPr lang="de-DE" sz="1600" b="0" i="1" smtClean="0">
-                                          <a:latin typeface="Cambria Math" panose="02040503050406030204" pitchFamily="18" charset="0"/>
+                                          <a:latin typeface="Cambria Math"/>
                                           <a:ea typeface="Cambria Math" panose="02040503050406030204" pitchFamily="18" charset="0"/>
                                         </a:rPr>
                                       </m:ctrlPr>
@@ -35122,7 +35118,7 @@
                                     <m:sSupPr>
                                       <m:ctrlPr>
                                         <a:rPr lang="de-DE" sz="1600" i="1">
-                                          <a:latin typeface="Cambria Math" panose="02040503050406030204" pitchFamily="18" charset="0"/>
+                                          <a:latin typeface="Cambria Math"/>
                                         </a:rPr>
                                       </m:ctrlPr>
                                     </m:sSupPr>
@@ -35147,7 +35143,7 @@
                                     <m:sSubPr>
                                       <m:ctrlPr>
                                         <a:rPr lang="de-DE" sz="1600" i="1">
-                                          <a:latin typeface="Cambria Math" panose="02040503050406030204" pitchFamily="18" charset="0"/>
+                                          <a:latin typeface="Cambria Math"/>
                                         </a:rPr>
                                       </m:ctrlPr>
                                     </m:sSubPr>
@@ -35194,7 +35190,7 @@
                                 <m:sSubPr>
                                   <m:ctrlPr>
                                     <a:rPr lang="de-DE" sz="1600" i="1" smtClean="0">
-                                      <a:latin typeface="Cambria Math" panose="02040503050406030204" pitchFamily="18" charset="0"/>
+                                      <a:latin typeface="Cambria Math"/>
                                     </a:rPr>
                                   </m:ctrlPr>
                                 </m:sSubPr>
@@ -35223,7 +35219,7 @@
                                   <m:chr m:val="∑"/>
                                   <m:ctrlPr>
                                     <a:rPr lang="el-GR" sz="1600" i="1">
-                                      <a:latin typeface="Cambria Math" panose="02040503050406030204" pitchFamily="18" charset="0"/>
+                                      <a:latin typeface="Cambria Math"/>
                                     </a:rPr>
                                   </m:ctrlPr>
                                 </m:naryPr>
@@ -35263,7 +35259,7 @@
                                     <m:sSubPr>
                                       <m:ctrlPr>
                                         <a:rPr lang="de-DE" sz="1600" i="1">
-                                          <a:latin typeface="Cambria Math" panose="02040503050406030204" pitchFamily="18" charset="0"/>
+                                          <a:latin typeface="Cambria Math"/>
                                         </a:rPr>
                                       </m:ctrlPr>
                                     </m:sSubPr>
@@ -35302,7 +35298,7 @@
                                 <m:sSubPr>
                                   <m:ctrlPr>
                                     <a:rPr lang="de-DE" sz="1600" b="0" i="1" smtClean="0">
-                                      <a:latin typeface="Cambria Math" panose="02040503050406030204" pitchFamily="18" charset="0"/>
+                                      <a:latin typeface="Cambria Math"/>
                                     </a:rPr>
                                   </m:ctrlPr>
                                 </m:sSubPr>
@@ -35331,7 +35327,7 @@
                                   <m:chr m:val="∑"/>
                                   <m:ctrlPr>
                                     <a:rPr lang="el-GR" sz="1600" i="1">
-                                      <a:latin typeface="Cambria Math" panose="02040503050406030204" pitchFamily="18" charset="0"/>
+                                      <a:latin typeface="Cambria Math"/>
                                     </a:rPr>
                                   </m:ctrlPr>
                                 </m:naryPr>
@@ -35368,7 +35364,7 @@
                                     <m:sSubPr>
                                       <m:ctrlPr>
                                         <a:rPr lang="de-DE" sz="1600" i="1">
-                                          <a:latin typeface="Cambria Math" panose="02040503050406030204" pitchFamily="18" charset="0"/>
+                                          <a:latin typeface="Cambria Math"/>
                                         </a:rPr>
                                       </m:ctrlPr>
                                     </m:sSubPr>
@@ -36015,47 +36011,7 @@
                   </a:schemeClr>
                 </a:solidFill>
               </a:rPr>
-              <a:t>Data </a:t>
-            </a:r>
-            <a:r>
-              <a:rPr lang="en-US" sz="2000" dirty="0">
-                <a:solidFill>
-                  <a:schemeClr val="bg1">
-                    <a:lumMod val="65000"/>
-                  </a:schemeClr>
-                </a:solidFill>
-              </a:rPr>
-              <a:t>Mining ≈</a:t>
-            </a:r>
-            <a:r>
-              <a:rPr lang="en-US" sz="2000" dirty="0">
-                <a:solidFill>
-                  <a:schemeClr val="bg1">
-                    <a:lumMod val="65000"/>
-                  </a:schemeClr>
-                </a:solidFill>
-              </a:rPr>
-              <a:t> </a:t>
-            </a:r>
-            <a:r>
-              <a:rPr lang="en-US" sz="2000" dirty="0">
-                <a:solidFill>
-                  <a:schemeClr val="bg1">
-                    <a:lumMod val="65000"/>
-                  </a:schemeClr>
-                </a:solidFill>
-              </a:rPr>
-              <a:t>Unsupervised </a:t>
-            </a:r>
-            <a:r>
-              <a:rPr lang="en-US" sz="2000" dirty="0">
-                <a:solidFill>
-                  <a:schemeClr val="bg1">
-                    <a:lumMod val="65000"/>
-                  </a:schemeClr>
-                </a:solidFill>
-              </a:rPr>
-              <a:t>Learning</a:t>
+              <a:t>Data Mining ≈ Unsupervised Learning</a:t>
             </a:r>
           </a:p>
           <a:p>
@@ -38880,7 +38836,7 @@
   <a:extraClrSchemeLst/>
   <a:extLst>
     <a:ext uri="{05A4C25C-085E-4340-85A3-A5531E510DB2}">
-      <thm15:themeFamily xmlns:thm15="http://schemas.microsoft.com/office/thememl/2012/main" name="Office Theme" id="{62F939B6-93AF-4DB8-9C6B-D6C7DFDC589F}" vid="{4A3C46E8-61CC-4603-A589-7422A47A8E4A}"/>
+      <thm15:themeFamily xmlns:thm15="http://schemas.microsoft.com/office/thememl/2012/main" xmlns="" name="Office Theme" id="{62F939B6-93AF-4DB8-9C6B-D6C7DFDC589F}" vid="{4A3C46E8-61CC-4603-A589-7422A47A8E4A}"/>
     </a:ext>
   </a:extLst>
 </a:theme>
